--- a/Miscellaneous_files/Flow_chart.pptx
+++ b/Miscellaneous_files/Flow_chart.pptx
@@ -875,59 +875,72 @@
     </dgm:pt>
     <dgm:pt modelId="{28A22ACA-A513-4316-AA5D-37618D34EDF6}">
       <dgm:prSet phldrT="[Text]" custT="1"/>
-      <dgm:spPr/>
+      <dgm:spPr>
+        <a:solidFill>
+          <a:schemeClr val="bg1">
+            <a:lumMod val="85000"/>
+          </a:schemeClr>
+        </a:solidFill>
+        <a:ln>
+          <a:solidFill>
+            <a:schemeClr val="bg1">
+              <a:lumMod val="75000"/>
+            </a:schemeClr>
+          </a:solidFill>
+        </a:ln>
+      </dgm:spPr>
       <dgm:t>
         <a:bodyPr/>
         <a:lstStyle/>
         <a:p>
           <a:r>
-            <a:rPr lang="en-US" sz="1200" u="sng" dirty="0" smtClean="0"/>
+            <a:rPr lang="en-US" sz="1400" b="1" u="sng" dirty="0" smtClean="0">
+              <a:solidFill>
+                <a:schemeClr val="tx1"/>
+              </a:solidFill>
+            </a:rPr>
             <a:t>Required Package</a:t>
           </a:r>
         </a:p>
         <a:p>
           <a:r>
-            <a:rPr lang="en-US" sz="1200" dirty="0" smtClean="0"/>
-            <a:t>Install </a:t>
-          </a:r>
-          <a:r>
-            <a:rPr lang="en-US" sz="1200" dirty="0" err="1" smtClean="0"/>
-            <a:t>Rasterio</a:t>
-          </a:r>
-          <a:r>
-            <a:rPr lang="en-US" sz="1200" dirty="0" smtClean="0"/>
-            <a:t> module</a:t>
+            <a:rPr lang="en-US" sz="1400" dirty="0" smtClean="0">
+              <a:solidFill>
+                <a:schemeClr val="tx1"/>
+              </a:solidFill>
+            </a:rPr>
+            <a:t>Install Rasterio module</a:t>
           </a:r>
         </a:p>
         <a:p>
           <a:r>
-            <a:rPr lang="en-US" sz="1200" u="sng" dirty="0" smtClean="0"/>
+            <a:rPr lang="en-US" sz="1400" b="1" u="sng" dirty="0" smtClean="0">
+              <a:solidFill>
+                <a:schemeClr val="tx1"/>
+              </a:solidFill>
+            </a:rPr>
             <a:t>Imported modules</a:t>
           </a:r>
-          <a:endParaRPr lang="en-US" sz="1200" dirty="0" smtClean="0"/>
+          <a:endParaRPr lang="en-US" sz="1400" b="1" dirty="0" smtClean="0">
+            <a:solidFill>
+              <a:schemeClr val="tx1"/>
+            </a:solidFill>
+          </a:endParaRPr>
         </a:p>
         <a:p>
           <a:r>
-            <a:rPr lang="en-US" sz="1200" dirty="0" err="1" smtClean="0"/>
-            <a:t>Rasterio</a:t>
+            <a:rPr lang="en-US" sz="1400" dirty="0" smtClean="0">
+              <a:solidFill>
+                <a:schemeClr val="tx1"/>
+              </a:solidFill>
+            </a:rPr>
+            <a:t>Rasterio, numpy, math, and matplotlib</a:t>
           </a:r>
-          <a:r>
-            <a:rPr lang="en-US" sz="1200" dirty="0" smtClean="0"/>
-            <a:t>, </a:t>
-          </a:r>
-          <a:r>
-            <a:rPr lang="en-US" sz="1200" dirty="0" err="1" smtClean="0"/>
-            <a:t>numpy</a:t>
-          </a:r>
-          <a:r>
-            <a:rPr lang="en-US" sz="1200" dirty="0" smtClean="0"/>
-            <a:t>, math, and </a:t>
-          </a:r>
-          <a:r>
-            <a:rPr lang="en-US" sz="1200" dirty="0" err="1" smtClean="0"/>
-            <a:t>matplotlib</a:t>
-          </a:r>
-          <a:endParaRPr lang="en-US" sz="1200" dirty="0"/>
+          <a:endParaRPr lang="en-US" sz="1400" dirty="0">
+            <a:solidFill>
+              <a:schemeClr val="tx1"/>
+            </a:solidFill>
+          </a:endParaRPr>
         </a:p>
       </dgm:t>
     </dgm:pt>
@@ -944,7 +957,13 @@
     </dgm:pt>
     <dgm:pt modelId="{9724D9C2-1C06-49B9-9FDF-90666FFB8E91}" type="sibTrans" cxnId="{86EABBD9-D73E-49B8-8362-B61C5523CC0B}">
       <dgm:prSet/>
-      <dgm:spPr/>
+      <dgm:spPr>
+        <a:solidFill>
+          <a:schemeClr val="bg1">
+            <a:lumMod val="95000"/>
+          </a:schemeClr>
+        </a:solidFill>
+      </dgm:spPr>
       <dgm:t>
         <a:bodyPr/>
         <a:lstStyle/>
@@ -955,34 +974,67 @@
     </dgm:pt>
     <dgm:pt modelId="{3AD1165A-C4AA-4583-B98C-97D10C17AD60}">
       <dgm:prSet phldrT="[Text]" custT="1"/>
-      <dgm:spPr/>
+      <dgm:spPr>
+        <a:solidFill>
+          <a:schemeClr val="bg1">
+            <a:lumMod val="85000"/>
+          </a:schemeClr>
+        </a:solidFill>
+        <a:ln>
+          <a:solidFill>
+            <a:schemeClr val="bg1">
+              <a:lumMod val="75000"/>
+            </a:schemeClr>
+          </a:solidFill>
+        </a:ln>
+      </dgm:spPr>
       <dgm:t>
         <a:bodyPr/>
         <a:lstStyle/>
         <a:p>
           <a:r>
-            <a:rPr lang="en-US" sz="1200" u="sng" dirty="0" smtClean="0"/>
+            <a:rPr lang="en-US" sz="1400" b="1" u="sng" dirty="0" smtClean="0">
+              <a:solidFill>
+                <a:schemeClr val="tx1"/>
+              </a:solidFill>
+            </a:rPr>
             <a:t>User inputs</a:t>
           </a:r>
         </a:p>
         <a:p>
           <a:r>
-            <a:rPr lang="en-US" sz="1200" dirty="0" smtClean="0"/>
+            <a:rPr lang="en-US" sz="1400" dirty="0" smtClean="0">
+              <a:solidFill>
+                <a:schemeClr val="tx1"/>
+              </a:solidFill>
+            </a:rPr>
             <a:t>Name of location of interest (LOI)</a:t>
           </a:r>
         </a:p>
         <a:p>
           <a:r>
-            <a:rPr lang="en-US" sz="1200" dirty="0" smtClean="0"/>
+            <a:rPr lang="en-US" sz="1400" dirty="0" smtClean="0">
+              <a:solidFill>
+                <a:schemeClr val="tx1"/>
+              </a:solidFill>
+            </a:rPr>
             <a:t>Latitude of LOI</a:t>
           </a:r>
         </a:p>
         <a:p>
           <a:r>
-            <a:rPr lang="en-US" sz="1200" dirty="0" smtClean="0"/>
+            <a:rPr lang="en-US" sz="1400" dirty="0" smtClean="0">
+              <a:solidFill>
+                <a:schemeClr val="tx1"/>
+              </a:solidFill>
+            </a:rPr>
             <a:t>Longitude of LOI</a:t>
           </a:r>
-          <a:endParaRPr lang="en-US" sz="1200" dirty="0"/>
+          <a:endParaRPr lang="en-US" sz="1400" dirty="0">
+            <a:solidFill>
+              <a:schemeClr val="tx1"/>
+            </a:solidFill>
+          </a:endParaRPr>
         </a:p>
       </dgm:t>
     </dgm:pt>
@@ -999,7 +1051,13 @@
     </dgm:pt>
     <dgm:pt modelId="{56D88620-D125-4D9C-B0AE-64F5F6797013}" type="sibTrans" cxnId="{9E66E7AF-6CC3-490C-9798-F65BB78589C5}">
       <dgm:prSet/>
-      <dgm:spPr/>
+      <dgm:spPr>
+        <a:solidFill>
+          <a:schemeClr val="bg1">
+            <a:lumMod val="95000"/>
+          </a:schemeClr>
+        </a:solidFill>
+      </dgm:spPr>
       <dgm:t>
         <a:bodyPr/>
         <a:lstStyle/>
@@ -1010,24 +1068,53 @@
     </dgm:pt>
     <dgm:pt modelId="{8FEB8534-9D2A-4AC9-BDCC-51703EFFFAB4}">
       <dgm:prSet phldrT="[Text]" custT="1"/>
-      <dgm:spPr/>
+      <dgm:spPr>
+        <a:solidFill>
+          <a:schemeClr val="bg1">
+            <a:lumMod val="85000"/>
+          </a:schemeClr>
+        </a:solidFill>
+        <a:ln>
+          <a:solidFill>
+            <a:schemeClr val="bg1">
+              <a:lumMod val="75000"/>
+            </a:schemeClr>
+          </a:solidFill>
+        </a:ln>
+      </dgm:spPr>
       <dgm:t>
         <a:bodyPr/>
         <a:lstStyle/>
         <a:p>
           <a:r>
-            <a:rPr lang="en-US" sz="1200" dirty="0" smtClean="0"/>
+            <a:rPr lang="en-US" sz="1400" dirty="0" smtClean="0">
+              <a:solidFill>
+                <a:schemeClr val="tx1"/>
+              </a:solidFill>
+            </a:rPr>
             <a:t>Create </a:t>
           </a:r>
           <a:r>
-            <a:rPr lang="en-US" sz="1200" dirty="0" err="1" smtClean="0"/>
+            <a:rPr lang="en-US" sz="1400" dirty="0" err="1" smtClean="0">
+              <a:solidFill>
+                <a:schemeClr val="tx1"/>
+              </a:solidFill>
+            </a:rPr>
             <a:t>Haversine</a:t>
           </a:r>
           <a:r>
-            <a:rPr lang="en-US" sz="1200" dirty="0" smtClean="0"/>
+            <a:rPr lang="en-US" sz="1400" dirty="0" smtClean="0">
+              <a:solidFill>
+                <a:schemeClr val="tx1"/>
+              </a:solidFill>
+            </a:rPr>
             <a:t> function for distance computation</a:t>
           </a:r>
-          <a:endParaRPr lang="en-US" sz="1200" dirty="0"/>
+          <a:endParaRPr lang="en-US" sz="1400" dirty="0">
+            <a:solidFill>
+              <a:schemeClr val="tx1"/>
+            </a:solidFill>
+          </a:endParaRPr>
         </a:p>
       </dgm:t>
     </dgm:pt>
@@ -1044,7 +1131,13 @@
     </dgm:pt>
     <dgm:pt modelId="{7DD2945A-3DB5-43C6-8769-5348ED066D4F}" type="sibTrans" cxnId="{5ACA2E79-8AA9-47CA-B6EE-77B9AFAEDEF7}">
       <dgm:prSet/>
-      <dgm:spPr/>
+      <dgm:spPr>
+        <a:solidFill>
+          <a:schemeClr val="bg1">
+            <a:lumMod val="95000"/>
+          </a:schemeClr>
+        </a:solidFill>
+      </dgm:spPr>
       <dgm:t>
         <a:bodyPr/>
         <a:lstStyle/>
@@ -1055,20 +1148,37 @@
     </dgm:pt>
     <dgm:pt modelId="{D606031C-A663-4CFA-BC56-1F293F54D4A0}">
       <dgm:prSet phldrT="[Text]" custT="1"/>
-      <dgm:spPr/>
+      <dgm:spPr>
+        <a:solidFill>
+          <a:schemeClr val="bg1">
+            <a:lumMod val="85000"/>
+          </a:schemeClr>
+        </a:solidFill>
+        <a:ln>
+          <a:solidFill>
+            <a:schemeClr val="bg1">
+              <a:lumMod val="75000"/>
+            </a:schemeClr>
+          </a:solidFill>
+        </a:ln>
+      </dgm:spPr>
       <dgm:t>
         <a:bodyPr/>
         <a:lstStyle/>
         <a:p>
           <a:r>
-            <a:rPr lang="en-US" sz="1200" dirty="0" smtClean="0"/>
-            <a:t>Compute the total rainfall in each pixel in mm and set all negative rainfall values to </a:t>
+            <a:rPr lang="en-US" sz="1400" dirty="0" smtClean="0">
+              <a:solidFill>
+                <a:schemeClr val="tx1"/>
+              </a:solidFill>
+            </a:rPr>
+            <a:t>Compute the total rainfall in each pixel in mm and set all negative rainfall values to NaNs</a:t>
           </a:r>
-          <a:r>
-            <a:rPr lang="en-US" sz="1200" dirty="0" err="1" smtClean="0"/>
-            <a:t>NaNs</a:t>
-          </a:r>
-          <a:endParaRPr lang="en-US" sz="1200" dirty="0"/>
+          <a:endParaRPr lang="en-US" sz="1400" dirty="0">
+            <a:solidFill>
+              <a:schemeClr val="tx1"/>
+            </a:solidFill>
+          </a:endParaRPr>
         </a:p>
       </dgm:t>
     </dgm:pt>
@@ -1085,7 +1195,13 @@
     </dgm:pt>
     <dgm:pt modelId="{4B8502DD-2B69-4DF0-809E-8735E2EC91D8}" type="sibTrans" cxnId="{8E67FB6B-8DFB-489B-A22D-AA842305756F}">
       <dgm:prSet/>
-      <dgm:spPr/>
+      <dgm:spPr>
+        <a:solidFill>
+          <a:schemeClr val="bg1">
+            <a:lumMod val="95000"/>
+          </a:schemeClr>
+        </a:solidFill>
+      </dgm:spPr>
       <dgm:t>
         <a:bodyPr/>
         <a:lstStyle/>
@@ -1096,32 +1212,37 @@
     </dgm:pt>
     <dgm:pt modelId="{C3D89458-42F1-492F-A798-B89CD1844C54}">
       <dgm:prSet phldrT="[Text]" custT="1"/>
-      <dgm:spPr/>
+      <dgm:spPr>
+        <a:solidFill>
+          <a:schemeClr val="bg1">
+            <a:lumMod val="85000"/>
+          </a:schemeClr>
+        </a:solidFill>
+        <a:ln>
+          <a:solidFill>
+            <a:schemeClr val="bg1">
+              <a:lumMod val="75000"/>
+            </a:schemeClr>
+          </a:solidFill>
+        </a:ln>
+      </dgm:spPr>
       <dgm:t>
         <a:bodyPr/>
         <a:lstStyle/>
         <a:p>
           <a:r>
-            <a:rPr lang="en-US" sz="1200" dirty="0" smtClean="0"/>
-            <a:t>Create a 3D </a:t>
+            <a:rPr lang="en-US" sz="1400" dirty="0" smtClean="0">
+              <a:solidFill>
+                <a:schemeClr val="tx1"/>
+              </a:solidFill>
+            </a:rPr>
+            <a:t>Create a 3D numpy array of NaNs and append the rainfall data</a:t>
           </a:r>
-          <a:r>
-            <a:rPr lang="en-US" sz="1200" dirty="0" err="1" smtClean="0"/>
-            <a:t>numpy</a:t>
-          </a:r>
-          <a:r>
-            <a:rPr lang="en-US" sz="1200" dirty="0" smtClean="0"/>
-            <a:t> array of </a:t>
-          </a:r>
-          <a:r>
-            <a:rPr lang="en-US" sz="1200" dirty="0" err="1" smtClean="0"/>
-            <a:t>NaNs</a:t>
-          </a:r>
-          <a:r>
-            <a:rPr lang="en-US" sz="1200" dirty="0" smtClean="0"/>
-            <a:t> and append the rainfall data</a:t>
-          </a:r>
-          <a:endParaRPr lang="en-US" sz="1200" dirty="0"/>
+          <a:endParaRPr lang="en-US" sz="1400" dirty="0">
+            <a:solidFill>
+              <a:schemeClr val="tx1"/>
+            </a:solidFill>
+          </a:endParaRPr>
         </a:p>
       </dgm:t>
     </dgm:pt>
@@ -1138,7 +1259,13 @@
     </dgm:pt>
     <dgm:pt modelId="{78EFA5EF-A4DC-4723-8EF4-5561CEBC6E77}" type="sibTrans" cxnId="{B307121E-A0E3-4A78-9ACB-36187249B4D0}">
       <dgm:prSet/>
-      <dgm:spPr/>
+      <dgm:spPr>
+        <a:solidFill>
+          <a:schemeClr val="bg1">
+            <a:lumMod val="95000"/>
+          </a:schemeClr>
+        </a:solidFill>
+      </dgm:spPr>
       <dgm:t>
         <a:bodyPr/>
         <a:lstStyle/>
@@ -1149,16 +1276,69 @@
     </dgm:pt>
     <dgm:pt modelId="{814AFFE5-BC73-45FB-9570-385C69DCCFE7}">
       <dgm:prSet phldrT="[Text]" custT="1"/>
-      <dgm:spPr/>
+      <dgm:spPr>
+        <a:solidFill>
+          <a:schemeClr val="bg1">
+            <a:lumMod val="85000"/>
+          </a:schemeClr>
+        </a:solidFill>
+        <a:ln>
+          <a:solidFill>
+            <a:schemeClr val="bg1">
+              <a:lumMod val="75000"/>
+            </a:schemeClr>
+          </a:solidFill>
+        </a:ln>
+      </dgm:spPr>
       <dgm:t>
         <a:bodyPr/>
         <a:lstStyle/>
         <a:p>
           <a:r>
-            <a:rPr lang="en-US" sz="1200" dirty="0" smtClean="0"/>
-            <a:t>Open the gridded map (GeoTiff file) in python, create a Coordinate Reference System (CRS) conversion function to convert the CRS of the map to EPSG: 4326 </a:t>
+            <a:rPr lang="en-US" sz="1400" b="0" dirty="0" smtClean="0">
+              <a:solidFill>
+                <a:schemeClr val="tx1"/>
+              </a:solidFill>
+            </a:rPr>
+            <a:t>Open the gridded map (GeoTiff file</a:t>
           </a:r>
-          <a:endParaRPr lang="en-US" sz="1200" dirty="0"/>
+          <a:r>
+            <a:rPr lang="en-US" sz="1400" b="0" dirty="0" smtClean="0">
+              <a:solidFill>
+                <a:schemeClr val="tx1"/>
+              </a:solidFill>
+            </a:rPr>
+            <a:t>), </a:t>
+          </a:r>
+          <a:r>
+            <a:rPr lang="en-US" sz="1400" b="0" dirty="0" smtClean="0">
+              <a:solidFill>
+                <a:schemeClr val="tx1"/>
+              </a:solidFill>
+            </a:rPr>
+            <a:t>create a Coordinate Reference System (CRS) </a:t>
+          </a:r>
+          <a:r>
+            <a:rPr lang="en-US" sz="1400" b="0" dirty="0" smtClean="0">
+              <a:solidFill>
+                <a:schemeClr val="tx1"/>
+              </a:solidFill>
+            </a:rPr>
+            <a:t>function to  </a:t>
+          </a:r>
+          <a:r>
+            <a:rPr lang="en-US" sz="1400" b="0" dirty="0" smtClean="0">
+              <a:solidFill>
+                <a:schemeClr val="tx1"/>
+              </a:solidFill>
+            </a:rPr>
+            <a:t>convert the CRS of the map to EPSG: 4326 </a:t>
+          </a:r>
+          <a:endParaRPr lang="en-US" sz="1400" b="0" dirty="0">
+            <a:solidFill>
+              <a:schemeClr val="tx1"/>
+            </a:solidFill>
+          </a:endParaRPr>
         </a:p>
       </dgm:t>
     </dgm:pt>
@@ -1175,7 +1355,13 @@
     </dgm:pt>
     <dgm:pt modelId="{4F0015E3-6148-4588-A2BD-4D429A803212}" type="sibTrans" cxnId="{DDF7AFFD-A22A-41E0-88E8-F10926D546AF}">
       <dgm:prSet/>
-      <dgm:spPr/>
+      <dgm:spPr>
+        <a:solidFill>
+          <a:schemeClr val="bg1">
+            <a:lumMod val="95000"/>
+          </a:schemeClr>
+        </a:solidFill>
+      </dgm:spPr>
       <dgm:t>
         <a:bodyPr/>
         <a:lstStyle/>
@@ -1186,20 +1372,37 @@
     </dgm:pt>
     <dgm:pt modelId="{332385A8-9389-4E96-BA41-8E34E0DA29AB}">
       <dgm:prSet phldrT="[Text]" custT="1"/>
-      <dgm:spPr/>
+      <dgm:spPr>
+        <a:solidFill>
+          <a:schemeClr val="bg1">
+            <a:lumMod val="85000"/>
+          </a:schemeClr>
+        </a:solidFill>
+        <a:ln>
+          <a:solidFill>
+            <a:schemeClr val="bg1">
+              <a:lumMod val="75000"/>
+            </a:schemeClr>
+          </a:solidFill>
+        </a:ln>
+      </dgm:spPr>
       <dgm:t>
         <a:bodyPr/>
         <a:lstStyle/>
         <a:p>
           <a:r>
-            <a:rPr lang="en-US" sz="1200" dirty="0" smtClean="0"/>
-            <a:t>Set all pixels outside contiguous US boundaries and equal to zero to </a:t>
+            <a:rPr lang="en-US" sz="1400" dirty="0" smtClean="0">
+              <a:solidFill>
+                <a:schemeClr val="tx1"/>
+              </a:solidFill>
+            </a:rPr>
+            <a:t>Set all pixels outside contiguous US boundaries and equal to zero to NaN</a:t>
           </a:r>
-          <a:r>
-            <a:rPr lang="en-US" sz="1200" dirty="0" err="1" smtClean="0"/>
-            <a:t>NaN</a:t>
-          </a:r>
-          <a:endParaRPr lang="en-US" sz="1200" dirty="0"/>
+          <a:endParaRPr lang="en-US" sz="1400" dirty="0">
+            <a:solidFill>
+              <a:schemeClr val="tx1"/>
+            </a:solidFill>
+          </a:endParaRPr>
         </a:p>
       </dgm:t>
     </dgm:pt>
@@ -1216,7 +1419,13 @@
     </dgm:pt>
     <dgm:pt modelId="{C3F05CDD-63EE-4503-A481-2C5A7C8E37FC}" type="sibTrans" cxnId="{28926AD4-A19B-43D0-BD24-0E34ED54D7C6}">
       <dgm:prSet/>
-      <dgm:spPr/>
+      <dgm:spPr>
+        <a:solidFill>
+          <a:schemeClr val="bg1">
+            <a:lumMod val="95000"/>
+          </a:schemeClr>
+        </a:solidFill>
+      </dgm:spPr>
       <dgm:t>
         <a:bodyPr/>
         <a:lstStyle/>
@@ -1227,16 +1436,37 @@
     </dgm:pt>
     <dgm:pt modelId="{DBFCBDF3-742D-4467-8C02-F556FA996335}">
       <dgm:prSet phldrT="[Text]" custT="1"/>
-      <dgm:spPr/>
+      <dgm:spPr>
+        <a:solidFill>
+          <a:schemeClr val="bg1">
+            <a:lumMod val="85000"/>
+          </a:schemeClr>
+        </a:solidFill>
+        <a:ln>
+          <a:solidFill>
+            <a:schemeClr val="bg1">
+              <a:lumMod val="75000"/>
+            </a:schemeClr>
+          </a:solidFill>
+        </a:ln>
+      </dgm:spPr>
       <dgm:t>
         <a:bodyPr/>
         <a:lstStyle/>
         <a:p>
           <a:r>
-            <a:rPr lang="en-US" sz="1200" dirty="0" smtClean="0"/>
+            <a:rPr lang="en-US" sz="1400" dirty="0" smtClean="0">
+              <a:solidFill>
+                <a:schemeClr val="tx1"/>
+              </a:solidFill>
+            </a:rPr>
             <a:t>Compute the distances between LOI and the map coordinates, and select the rainfall at the closest location to LOI as the rainfall at LOI</a:t>
           </a:r>
-          <a:endParaRPr lang="en-US" sz="1200" dirty="0"/>
+          <a:endParaRPr lang="en-US" sz="1400" dirty="0">
+            <a:solidFill>
+              <a:schemeClr val="tx1"/>
+            </a:solidFill>
+          </a:endParaRPr>
         </a:p>
       </dgm:t>
     </dgm:pt>
@@ -1253,7 +1483,13 @@
     </dgm:pt>
     <dgm:pt modelId="{9933F236-1F28-409B-BA3B-0213EECC346D}" type="sibTrans" cxnId="{9A2ED460-6D0F-4B54-A9F3-7238F1E39221}">
       <dgm:prSet/>
-      <dgm:spPr/>
+      <dgm:spPr>
+        <a:solidFill>
+          <a:schemeClr val="bg1">
+            <a:lumMod val="95000"/>
+          </a:schemeClr>
+        </a:solidFill>
+      </dgm:spPr>
       <dgm:t>
         <a:bodyPr/>
         <a:lstStyle/>
@@ -1264,16 +1500,37 @@
     </dgm:pt>
     <dgm:pt modelId="{EDA6E6F3-0A23-4129-B711-C43974CF2824}">
       <dgm:prSet phldrT="[Text]" custT="1"/>
-      <dgm:spPr/>
+      <dgm:spPr>
+        <a:solidFill>
+          <a:schemeClr val="bg1">
+            <a:lumMod val="85000"/>
+          </a:schemeClr>
+        </a:solidFill>
+        <a:ln>
+          <a:solidFill>
+            <a:schemeClr val="bg1">
+              <a:lumMod val="75000"/>
+            </a:schemeClr>
+          </a:solidFill>
+        </a:ln>
+      </dgm:spPr>
       <dgm:t>
         <a:bodyPr/>
         <a:lstStyle/>
         <a:p>
           <a:r>
-            <a:rPr lang="en-US" sz="1200" dirty="0" smtClean="0"/>
+            <a:rPr lang="en-US" sz="1400" dirty="0" smtClean="0">
+              <a:solidFill>
+                <a:schemeClr val="tx1"/>
+              </a:solidFill>
+            </a:rPr>
             <a:t>Plot a map of contiguous US showing LOI</a:t>
           </a:r>
-          <a:endParaRPr lang="en-US" sz="1200" dirty="0"/>
+          <a:endParaRPr lang="en-US" sz="1400" dirty="0">
+            <a:solidFill>
+              <a:schemeClr val="tx1"/>
+            </a:solidFill>
+          </a:endParaRPr>
         </a:p>
       </dgm:t>
     </dgm:pt>
@@ -1707,12 +1964,8 @@
           <a:avLst/>
         </a:prstGeom>
         <a:solidFill>
-          <a:schemeClr val="accent1">
-            <a:tint val="60000"/>
-            <a:hueOff val="0"/>
-            <a:satOff val="0"/>
-            <a:lumOff val="0"/>
-            <a:alphaOff val="0"/>
+          <a:schemeClr val="bg1">
+            <a:lumMod val="95000"/>
           </a:schemeClr>
         </a:solidFill>
         <a:ln>
@@ -1751,20 +2004,14 @@
           </a:avLst>
         </a:prstGeom>
         <a:solidFill>
-          <a:schemeClr val="accent1">
-            <a:hueOff val="0"/>
-            <a:satOff val="0"/>
-            <a:lumOff val="0"/>
-            <a:alphaOff val="0"/>
+          <a:schemeClr val="bg1">
+            <a:lumMod val="85000"/>
           </a:schemeClr>
         </a:solidFill>
         <a:ln w="12700" cap="flat" cmpd="sng" algn="ctr">
           <a:solidFill>
-            <a:schemeClr val="lt1">
-              <a:hueOff val="0"/>
-              <a:satOff val="0"/>
-              <a:lumOff val="0"/>
-              <a:alphaOff val="0"/>
+            <a:schemeClr val="bg1">
+              <a:lumMod val="75000"/>
             </a:schemeClr>
           </a:solidFill>
           <a:prstDash val="solid"/>
@@ -1787,12 +2034,12 @@
         </a:fontRef>
       </dsp:style>
       <dsp:txBody>
-        <a:bodyPr spcFirstLastPara="0" vert="horz" wrap="square" lIns="45720" tIns="45720" rIns="45720" bIns="45720" numCol="1" spcCol="1270" anchor="ctr" anchorCtr="0">
+        <a:bodyPr spcFirstLastPara="0" vert="horz" wrap="square" lIns="53340" tIns="53340" rIns="53340" bIns="53340" numCol="1" spcCol="1270" anchor="ctr" anchorCtr="0">
           <a:noAutofit/>
         </a:bodyPr>
         <a:lstStyle/>
         <a:p>
-          <a:pPr lvl="0" algn="ctr" defTabSz="533400">
+          <a:pPr lvl="0" algn="ctr" defTabSz="622300">
             <a:lnSpc>
               <a:spcPct val="90000"/>
             </a:lnSpc>
@@ -1804,12 +2051,16 @@
             </a:spcAft>
           </a:pPr>
           <a:r>
-            <a:rPr lang="en-US" sz="1200" u="sng" kern="1200" dirty="0" smtClean="0"/>
+            <a:rPr lang="en-US" sz="1400" b="1" u="sng" kern="1200" dirty="0" smtClean="0">
+              <a:solidFill>
+                <a:schemeClr val="tx1"/>
+              </a:solidFill>
+            </a:rPr>
             <a:t>Required Package</a:t>
           </a:r>
         </a:p>
         <a:p>
-          <a:pPr lvl="0" algn="ctr" defTabSz="533400">
+          <a:pPr lvl="0" algn="ctr" defTabSz="622300">
             <a:lnSpc>
               <a:spcPct val="90000"/>
             </a:lnSpc>
@@ -1821,20 +2072,16 @@
             </a:spcAft>
           </a:pPr>
           <a:r>
-            <a:rPr lang="en-US" sz="1200" kern="1200" dirty="0" smtClean="0"/>
-            <a:t>Install </a:t>
-          </a:r>
-          <a:r>
-            <a:rPr lang="en-US" sz="1200" kern="1200" dirty="0" err="1" smtClean="0"/>
-            <a:t>Rasterio</a:t>
-          </a:r>
-          <a:r>
-            <a:rPr lang="en-US" sz="1200" kern="1200" dirty="0" smtClean="0"/>
-            <a:t> module</a:t>
+            <a:rPr lang="en-US" sz="1400" kern="1200" dirty="0" smtClean="0">
+              <a:solidFill>
+                <a:schemeClr val="tx1"/>
+              </a:solidFill>
+            </a:rPr>
+            <a:t>Install Rasterio module</a:t>
           </a:r>
         </a:p>
         <a:p>
-          <a:pPr lvl="0" algn="ctr" defTabSz="533400">
+          <a:pPr lvl="0" algn="ctr" defTabSz="622300">
             <a:lnSpc>
               <a:spcPct val="90000"/>
             </a:lnSpc>
@@ -1846,13 +2093,21 @@
             </a:spcAft>
           </a:pPr>
           <a:r>
-            <a:rPr lang="en-US" sz="1200" u="sng" kern="1200" dirty="0" smtClean="0"/>
+            <a:rPr lang="en-US" sz="1400" b="1" u="sng" kern="1200" dirty="0" smtClean="0">
+              <a:solidFill>
+                <a:schemeClr val="tx1"/>
+              </a:solidFill>
+            </a:rPr>
             <a:t>Imported modules</a:t>
           </a:r>
-          <a:endParaRPr lang="en-US" sz="1200" kern="1200" dirty="0" smtClean="0"/>
+          <a:endParaRPr lang="en-US" sz="1400" b="1" kern="1200" dirty="0" smtClean="0">
+            <a:solidFill>
+              <a:schemeClr val="tx1"/>
+            </a:solidFill>
+          </a:endParaRPr>
         </a:p>
         <a:p>
-          <a:pPr lvl="0" algn="ctr" defTabSz="533400">
+          <a:pPr lvl="0" algn="ctr" defTabSz="622300">
             <a:lnSpc>
               <a:spcPct val="90000"/>
             </a:lnSpc>
@@ -1864,26 +2119,18 @@
             </a:spcAft>
           </a:pPr>
           <a:r>
-            <a:rPr lang="en-US" sz="1200" kern="1200" dirty="0" err="1" smtClean="0"/>
-            <a:t>Rasterio</a:t>
+            <a:rPr lang="en-US" sz="1400" kern="1200" dirty="0" smtClean="0">
+              <a:solidFill>
+                <a:schemeClr val="tx1"/>
+              </a:solidFill>
+            </a:rPr>
+            <a:t>Rasterio, numpy, math, and matplotlib</a:t>
           </a:r>
-          <a:r>
-            <a:rPr lang="en-US" sz="1200" kern="1200" dirty="0" smtClean="0"/>
-            <a:t>, </a:t>
-          </a:r>
-          <a:r>
-            <a:rPr lang="en-US" sz="1200" kern="1200" dirty="0" err="1" smtClean="0"/>
-            <a:t>numpy</a:t>
-          </a:r>
-          <a:r>
-            <a:rPr lang="en-US" sz="1200" kern="1200" dirty="0" smtClean="0"/>
-            <a:t>, math, and </a:t>
-          </a:r>
-          <a:r>
-            <a:rPr lang="en-US" sz="1200" kern="1200" dirty="0" err="1" smtClean="0"/>
-            <a:t>matplotlib</a:t>
-          </a:r>
-          <a:endParaRPr lang="en-US" sz="1200" kern="1200" dirty="0"/>
+          <a:endParaRPr lang="en-US" sz="1400" kern="1200" dirty="0">
+            <a:solidFill>
+              <a:schemeClr val="tx1"/>
+            </a:solidFill>
+          </a:endParaRPr>
         </a:p>
       </dsp:txBody>
       <dsp:txXfrm>
@@ -1905,12 +2152,8 @@
           <a:avLst/>
         </a:prstGeom>
         <a:solidFill>
-          <a:schemeClr val="accent1">
-            <a:tint val="60000"/>
-            <a:hueOff val="0"/>
-            <a:satOff val="0"/>
-            <a:lumOff val="0"/>
-            <a:alphaOff val="0"/>
+          <a:schemeClr val="bg1">
+            <a:lumMod val="95000"/>
           </a:schemeClr>
         </a:solidFill>
         <a:ln>
@@ -1949,20 +2192,14 @@
           </a:avLst>
         </a:prstGeom>
         <a:solidFill>
-          <a:schemeClr val="accent1">
-            <a:hueOff val="0"/>
-            <a:satOff val="0"/>
-            <a:lumOff val="0"/>
-            <a:alphaOff val="0"/>
+          <a:schemeClr val="bg1">
+            <a:lumMod val="85000"/>
           </a:schemeClr>
         </a:solidFill>
         <a:ln w="12700" cap="flat" cmpd="sng" algn="ctr">
           <a:solidFill>
-            <a:schemeClr val="lt1">
-              <a:hueOff val="0"/>
-              <a:satOff val="0"/>
-              <a:lumOff val="0"/>
-              <a:alphaOff val="0"/>
+            <a:schemeClr val="bg1">
+              <a:lumMod val="75000"/>
             </a:schemeClr>
           </a:solidFill>
           <a:prstDash val="solid"/>
@@ -1985,12 +2222,12 @@
         </a:fontRef>
       </dsp:style>
       <dsp:txBody>
-        <a:bodyPr spcFirstLastPara="0" vert="horz" wrap="square" lIns="45720" tIns="45720" rIns="45720" bIns="45720" numCol="1" spcCol="1270" anchor="ctr" anchorCtr="0">
+        <a:bodyPr spcFirstLastPara="0" vert="horz" wrap="square" lIns="53340" tIns="53340" rIns="53340" bIns="53340" numCol="1" spcCol="1270" anchor="ctr" anchorCtr="0">
           <a:noAutofit/>
         </a:bodyPr>
         <a:lstStyle/>
         <a:p>
-          <a:pPr lvl="0" algn="ctr" defTabSz="533400">
+          <a:pPr lvl="0" algn="ctr" defTabSz="622300">
             <a:lnSpc>
               <a:spcPct val="90000"/>
             </a:lnSpc>
@@ -2002,12 +2239,16 @@
             </a:spcAft>
           </a:pPr>
           <a:r>
-            <a:rPr lang="en-US" sz="1200" u="sng" kern="1200" dirty="0" smtClean="0"/>
+            <a:rPr lang="en-US" sz="1400" b="1" u="sng" kern="1200" dirty="0" smtClean="0">
+              <a:solidFill>
+                <a:schemeClr val="tx1"/>
+              </a:solidFill>
+            </a:rPr>
             <a:t>User inputs</a:t>
           </a:r>
         </a:p>
         <a:p>
-          <a:pPr lvl="0" algn="ctr" defTabSz="533400">
+          <a:pPr lvl="0" algn="ctr" defTabSz="622300">
             <a:lnSpc>
               <a:spcPct val="90000"/>
             </a:lnSpc>
@@ -2019,12 +2260,16 @@
             </a:spcAft>
           </a:pPr>
           <a:r>
-            <a:rPr lang="en-US" sz="1200" kern="1200" dirty="0" smtClean="0"/>
+            <a:rPr lang="en-US" sz="1400" kern="1200" dirty="0" smtClean="0">
+              <a:solidFill>
+                <a:schemeClr val="tx1"/>
+              </a:solidFill>
+            </a:rPr>
             <a:t>Name of location of interest (LOI)</a:t>
           </a:r>
         </a:p>
         <a:p>
-          <a:pPr lvl="0" algn="ctr" defTabSz="533400">
+          <a:pPr lvl="0" algn="ctr" defTabSz="622300">
             <a:lnSpc>
               <a:spcPct val="90000"/>
             </a:lnSpc>
@@ -2036,12 +2281,16 @@
             </a:spcAft>
           </a:pPr>
           <a:r>
-            <a:rPr lang="en-US" sz="1200" kern="1200" dirty="0" smtClean="0"/>
+            <a:rPr lang="en-US" sz="1400" kern="1200" dirty="0" smtClean="0">
+              <a:solidFill>
+                <a:schemeClr val="tx1"/>
+              </a:solidFill>
+            </a:rPr>
             <a:t>Latitude of LOI</a:t>
           </a:r>
         </a:p>
         <a:p>
-          <a:pPr lvl="0" algn="ctr" defTabSz="533400">
+          <a:pPr lvl="0" algn="ctr" defTabSz="622300">
             <a:lnSpc>
               <a:spcPct val="90000"/>
             </a:lnSpc>
@@ -2053,10 +2302,18 @@
             </a:spcAft>
           </a:pPr>
           <a:r>
-            <a:rPr lang="en-US" sz="1200" kern="1200" dirty="0" smtClean="0"/>
+            <a:rPr lang="en-US" sz="1400" kern="1200" dirty="0" smtClean="0">
+              <a:solidFill>
+                <a:schemeClr val="tx1"/>
+              </a:solidFill>
+            </a:rPr>
             <a:t>Longitude of LOI</a:t>
           </a:r>
-          <a:endParaRPr lang="en-US" sz="1200" kern="1200" dirty="0"/>
+          <a:endParaRPr lang="en-US" sz="1400" kern="1200" dirty="0">
+            <a:solidFill>
+              <a:schemeClr val="tx1"/>
+            </a:solidFill>
+          </a:endParaRPr>
         </a:p>
       </dsp:txBody>
       <dsp:txXfrm>
@@ -2078,12 +2335,8 @@
           <a:avLst/>
         </a:prstGeom>
         <a:solidFill>
-          <a:schemeClr val="accent1">
-            <a:tint val="60000"/>
-            <a:hueOff val="0"/>
-            <a:satOff val="0"/>
-            <a:lumOff val="0"/>
-            <a:alphaOff val="0"/>
+          <a:schemeClr val="bg1">
+            <a:lumMod val="95000"/>
           </a:schemeClr>
         </a:solidFill>
         <a:ln>
@@ -2122,20 +2375,14 @@
           </a:avLst>
         </a:prstGeom>
         <a:solidFill>
-          <a:schemeClr val="accent1">
-            <a:hueOff val="0"/>
-            <a:satOff val="0"/>
-            <a:lumOff val="0"/>
-            <a:alphaOff val="0"/>
+          <a:schemeClr val="bg1">
+            <a:lumMod val="85000"/>
           </a:schemeClr>
         </a:solidFill>
         <a:ln w="12700" cap="flat" cmpd="sng" algn="ctr">
           <a:solidFill>
-            <a:schemeClr val="lt1">
-              <a:hueOff val="0"/>
-              <a:satOff val="0"/>
-              <a:lumOff val="0"/>
-              <a:alphaOff val="0"/>
+            <a:schemeClr val="bg1">
+              <a:lumMod val="75000"/>
             </a:schemeClr>
           </a:solidFill>
           <a:prstDash val="solid"/>
@@ -2158,12 +2405,12 @@
         </a:fontRef>
       </dsp:style>
       <dsp:txBody>
-        <a:bodyPr spcFirstLastPara="0" vert="horz" wrap="square" lIns="45720" tIns="45720" rIns="45720" bIns="45720" numCol="1" spcCol="1270" anchor="ctr" anchorCtr="0">
+        <a:bodyPr spcFirstLastPara="0" vert="horz" wrap="square" lIns="53340" tIns="53340" rIns="53340" bIns="53340" numCol="1" spcCol="1270" anchor="ctr" anchorCtr="0">
           <a:noAutofit/>
         </a:bodyPr>
         <a:lstStyle/>
         <a:p>
-          <a:pPr lvl="0" algn="ctr" defTabSz="533400">
+          <a:pPr lvl="0" algn="ctr" defTabSz="622300">
             <a:lnSpc>
               <a:spcPct val="90000"/>
             </a:lnSpc>
@@ -2175,18 +2422,34 @@
             </a:spcAft>
           </a:pPr>
           <a:r>
-            <a:rPr lang="en-US" sz="1200" kern="1200" dirty="0" smtClean="0"/>
+            <a:rPr lang="en-US" sz="1400" kern="1200" dirty="0" smtClean="0">
+              <a:solidFill>
+                <a:schemeClr val="tx1"/>
+              </a:solidFill>
+            </a:rPr>
             <a:t>Create </a:t>
           </a:r>
           <a:r>
-            <a:rPr lang="en-US" sz="1200" kern="1200" dirty="0" err="1" smtClean="0"/>
+            <a:rPr lang="en-US" sz="1400" kern="1200" dirty="0" err="1" smtClean="0">
+              <a:solidFill>
+                <a:schemeClr val="tx1"/>
+              </a:solidFill>
+            </a:rPr>
             <a:t>Haversine</a:t>
           </a:r>
           <a:r>
-            <a:rPr lang="en-US" sz="1200" kern="1200" dirty="0" smtClean="0"/>
+            <a:rPr lang="en-US" sz="1400" kern="1200" dirty="0" smtClean="0">
+              <a:solidFill>
+                <a:schemeClr val="tx1"/>
+              </a:solidFill>
+            </a:rPr>
             <a:t> function for distance computation</a:t>
           </a:r>
-          <a:endParaRPr lang="en-US" sz="1200" kern="1200" dirty="0"/>
+          <a:endParaRPr lang="en-US" sz="1400" kern="1200" dirty="0">
+            <a:solidFill>
+              <a:schemeClr val="tx1"/>
+            </a:solidFill>
+          </a:endParaRPr>
         </a:p>
       </dsp:txBody>
       <dsp:txXfrm>
@@ -2208,12 +2471,8 @@
           <a:avLst/>
         </a:prstGeom>
         <a:solidFill>
-          <a:schemeClr val="accent1">
-            <a:tint val="60000"/>
-            <a:hueOff val="0"/>
-            <a:satOff val="0"/>
-            <a:lumOff val="0"/>
-            <a:alphaOff val="0"/>
+          <a:schemeClr val="bg1">
+            <a:lumMod val="95000"/>
           </a:schemeClr>
         </a:solidFill>
         <a:ln>
@@ -2252,20 +2511,14 @@
           </a:avLst>
         </a:prstGeom>
         <a:solidFill>
-          <a:schemeClr val="accent1">
-            <a:hueOff val="0"/>
-            <a:satOff val="0"/>
-            <a:lumOff val="0"/>
-            <a:alphaOff val="0"/>
+          <a:schemeClr val="bg1">
+            <a:lumMod val="85000"/>
           </a:schemeClr>
         </a:solidFill>
         <a:ln w="12700" cap="flat" cmpd="sng" algn="ctr">
           <a:solidFill>
-            <a:schemeClr val="lt1">
-              <a:hueOff val="0"/>
-              <a:satOff val="0"/>
-              <a:lumOff val="0"/>
-              <a:alphaOff val="0"/>
+            <a:schemeClr val="bg1">
+              <a:lumMod val="75000"/>
             </a:schemeClr>
           </a:solidFill>
           <a:prstDash val="solid"/>
@@ -2288,12 +2541,12 @@
         </a:fontRef>
       </dsp:style>
       <dsp:txBody>
-        <a:bodyPr spcFirstLastPara="0" vert="horz" wrap="square" lIns="45720" tIns="45720" rIns="45720" bIns="45720" numCol="1" spcCol="1270" anchor="ctr" anchorCtr="0">
+        <a:bodyPr spcFirstLastPara="0" vert="horz" wrap="square" lIns="53340" tIns="53340" rIns="53340" bIns="53340" numCol="1" spcCol="1270" anchor="ctr" anchorCtr="0">
           <a:noAutofit/>
         </a:bodyPr>
         <a:lstStyle/>
         <a:p>
-          <a:pPr lvl="0" algn="ctr" defTabSz="533400">
+          <a:pPr lvl="0" algn="ctr" defTabSz="622300">
             <a:lnSpc>
               <a:spcPct val="90000"/>
             </a:lnSpc>
@@ -2305,14 +2558,18 @@
             </a:spcAft>
           </a:pPr>
           <a:r>
-            <a:rPr lang="en-US" sz="1200" kern="1200" dirty="0" smtClean="0"/>
-            <a:t>Compute the total rainfall in each pixel in mm and set all negative rainfall values to </a:t>
+            <a:rPr lang="en-US" sz="1400" kern="1200" dirty="0" smtClean="0">
+              <a:solidFill>
+                <a:schemeClr val="tx1"/>
+              </a:solidFill>
+            </a:rPr>
+            <a:t>Compute the total rainfall in each pixel in mm and set all negative rainfall values to NaNs</a:t>
           </a:r>
-          <a:r>
-            <a:rPr lang="en-US" sz="1200" kern="1200" dirty="0" err="1" smtClean="0"/>
-            <a:t>NaNs</a:t>
-          </a:r>
-          <a:endParaRPr lang="en-US" sz="1200" kern="1200" dirty="0"/>
+          <a:endParaRPr lang="en-US" sz="1400" kern="1200" dirty="0">
+            <a:solidFill>
+              <a:schemeClr val="tx1"/>
+            </a:solidFill>
+          </a:endParaRPr>
         </a:p>
       </dsp:txBody>
       <dsp:txXfrm>
@@ -2334,12 +2591,8 @@
           <a:avLst/>
         </a:prstGeom>
         <a:solidFill>
-          <a:schemeClr val="accent1">
-            <a:tint val="60000"/>
-            <a:hueOff val="0"/>
-            <a:satOff val="0"/>
-            <a:lumOff val="0"/>
-            <a:alphaOff val="0"/>
+          <a:schemeClr val="bg1">
+            <a:lumMod val="95000"/>
           </a:schemeClr>
         </a:solidFill>
         <a:ln>
@@ -2378,20 +2631,14 @@
           </a:avLst>
         </a:prstGeom>
         <a:solidFill>
-          <a:schemeClr val="accent1">
-            <a:hueOff val="0"/>
-            <a:satOff val="0"/>
-            <a:lumOff val="0"/>
-            <a:alphaOff val="0"/>
+          <a:schemeClr val="bg1">
+            <a:lumMod val="85000"/>
           </a:schemeClr>
         </a:solidFill>
         <a:ln w="12700" cap="flat" cmpd="sng" algn="ctr">
           <a:solidFill>
-            <a:schemeClr val="lt1">
-              <a:hueOff val="0"/>
-              <a:satOff val="0"/>
-              <a:lumOff val="0"/>
-              <a:alphaOff val="0"/>
+            <a:schemeClr val="bg1">
+              <a:lumMod val="75000"/>
             </a:schemeClr>
           </a:solidFill>
           <a:prstDash val="solid"/>
@@ -2414,12 +2661,12 @@
         </a:fontRef>
       </dsp:style>
       <dsp:txBody>
-        <a:bodyPr spcFirstLastPara="0" vert="horz" wrap="square" lIns="45720" tIns="45720" rIns="45720" bIns="45720" numCol="1" spcCol="1270" anchor="ctr" anchorCtr="0">
+        <a:bodyPr spcFirstLastPara="0" vert="horz" wrap="square" lIns="53340" tIns="53340" rIns="53340" bIns="53340" numCol="1" spcCol="1270" anchor="ctr" anchorCtr="0">
           <a:noAutofit/>
         </a:bodyPr>
         <a:lstStyle/>
         <a:p>
-          <a:pPr lvl="0" algn="ctr" defTabSz="533400">
+          <a:pPr lvl="0" algn="ctr" defTabSz="622300">
             <a:lnSpc>
               <a:spcPct val="90000"/>
             </a:lnSpc>
@@ -2431,26 +2678,18 @@
             </a:spcAft>
           </a:pPr>
           <a:r>
-            <a:rPr lang="en-US" sz="1200" kern="1200" dirty="0" smtClean="0"/>
-            <a:t>Create a 3D </a:t>
+            <a:rPr lang="en-US" sz="1400" kern="1200" dirty="0" smtClean="0">
+              <a:solidFill>
+                <a:schemeClr val="tx1"/>
+              </a:solidFill>
+            </a:rPr>
+            <a:t>Create a 3D numpy array of NaNs and append the rainfall data</a:t>
           </a:r>
-          <a:r>
-            <a:rPr lang="en-US" sz="1200" kern="1200" dirty="0" err="1" smtClean="0"/>
-            <a:t>numpy</a:t>
-          </a:r>
-          <a:r>
-            <a:rPr lang="en-US" sz="1200" kern="1200" dirty="0" smtClean="0"/>
-            <a:t> array of </a:t>
-          </a:r>
-          <a:r>
-            <a:rPr lang="en-US" sz="1200" kern="1200" dirty="0" err="1" smtClean="0"/>
-            <a:t>NaNs</a:t>
-          </a:r>
-          <a:r>
-            <a:rPr lang="en-US" sz="1200" kern="1200" dirty="0" smtClean="0"/>
-            <a:t> and append the rainfall data</a:t>
-          </a:r>
-          <a:endParaRPr lang="en-US" sz="1200" kern="1200" dirty="0"/>
+          <a:endParaRPr lang="en-US" sz="1400" kern="1200" dirty="0">
+            <a:solidFill>
+              <a:schemeClr val="tx1"/>
+            </a:solidFill>
+          </a:endParaRPr>
         </a:p>
       </dsp:txBody>
       <dsp:txXfrm>
@@ -2472,12 +2711,8 @@
           <a:avLst/>
         </a:prstGeom>
         <a:solidFill>
-          <a:schemeClr val="accent1">
-            <a:tint val="60000"/>
-            <a:hueOff val="0"/>
-            <a:satOff val="0"/>
-            <a:lumOff val="0"/>
-            <a:alphaOff val="0"/>
+          <a:schemeClr val="bg1">
+            <a:lumMod val="95000"/>
           </a:schemeClr>
         </a:solidFill>
         <a:ln>
@@ -2516,20 +2751,14 @@
           </a:avLst>
         </a:prstGeom>
         <a:solidFill>
-          <a:schemeClr val="accent1">
-            <a:hueOff val="0"/>
-            <a:satOff val="0"/>
-            <a:lumOff val="0"/>
-            <a:alphaOff val="0"/>
+          <a:schemeClr val="bg1">
+            <a:lumMod val="85000"/>
           </a:schemeClr>
         </a:solidFill>
         <a:ln w="12700" cap="flat" cmpd="sng" algn="ctr">
           <a:solidFill>
-            <a:schemeClr val="lt1">
-              <a:hueOff val="0"/>
-              <a:satOff val="0"/>
-              <a:lumOff val="0"/>
-              <a:alphaOff val="0"/>
+            <a:schemeClr val="bg1">
+              <a:lumMod val="75000"/>
             </a:schemeClr>
           </a:solidFill>
           <a:prstDash val="solid"/>
@@ -2552,12 +2781,12 @@
         </a:fontRef>
       </dsp:style>
       <dsp:txBody>
-        <a:bodyPr spcFirstLastPara="0" vert="horz" wrap="square" lIns="45720" tIns="45720" rIns="45720" bIns="45720" numCol="1" spcCol="1270" anchor="ctr" anchorCtr="0">
+        <a:bodyPr spcFirstLastPara="0" vert="horz" wrap="square" lIns="53340" tIns="53340" rIns="53340" bIns="53340" numCol="1" spcCol="1270" anchor="ctr" anchorCtr="0">
           <a:noAutofit/>
         </a:bodyPr>
         <a:lstStyle/>
         <a:p>
-          <a:pPr lvl="0" algn="ctr" defTabSz="533400">
+          <a:pPr lvl="0" algn="ctr" defTabSz="622300">
             <a:lnSpc>
               <a:spcPct val="90000"/>
             </a:lnSpc>
@@ -2569,10 +2798,50 @@
             </a:spcAft>
           </a:pPr>
           <a:r>
-            <a:rPr lang="en-US" sz="1200" kern="1200" dirty="0" smtClean="0"/>
-            <a:t>Open the gridded map (GeoTiff file) in python, create a Coordinate Reference System (CRS) conversion function to convert the CRS of the map to EPSG: 4326 </a:t>
+            <a:rPr lang="en-US" sz="1400" b="0" kern="1200" dirty="0" smtClean="0">
+              <a:solidFill>
+                <a:schemeClr val="tx1"/>
+              </a:solidFill>
+            </a:rPr>
+            <a:t>Open the gridded map (GeoTiff file</a:t>
           </a:r>
-          <a:endParaRPr lang="en-US" sz="1200" kern="1200" dirty="0"/>
+          <a:r>
+            <a:rPr lang="en-US" sz="1400" b="0" kern="1200" dirty="0" smtClean="0">
+              <a:solidFill>
+                <a:schemeClr val="tx1"/>
+              </a:solidFill>
+            </a:rPr>
+            <a:t>), </a:t>
+          </a:r>
+          <a:r>
+            <a:rPr lang="en-US" sz="1400" b="0" kern="1200" dirty="0" smtClean="0">
+              <a:solidFill>
+                <a:schemeClr val="tx1"/>
+              </a:solidFill>
+            </a:rPr>
+            <a:t>create a Coordinate Reference System (CRS) </a:t>
+          </a:r>
+          <a:r>
+            <a:rPr lang="en-US" sz="1400" b="0" kern="1200" dirty="0" smtClean="0">
+              <a:solidFill>
+                <a:schemeClr val="tx1"/>
+              </a:solidFill>
+            </a:rPr>
+            <a:t>function to  </a:t>
+          </a:r>
+          <a:r>
+            <a:rPr lang="en-US" sz="1400" b="0" kern="1200" dirty="0" smtClean="0">
+              <a:solidFill>
+                <a:schemeClr val="tx1"/>
+              </a:solidFill>
+            </a:rPr>
+            <a:t>convert the CRS of the map to EPSG: 4326 </a:t>
+          </a:r>
+          <a:endParaRPr lang="en-US" sz="1400" b="0" kern="1200" dirty="0">
+            <a:solidFill>
+              <a:schemeClr val="tx1"/>
+            </a:solidFill>
+          </a:endParaRPr>
         </a:p>
       </dsp:txBody>
       <dsp:txXfrm>
@@ -2594,12 +2863,8 @@
           <a:avLst/>
         </a:prstGeom>
         <a:solidFill>
-          <a:schemeClr val="accent1">
-            <a:tint val="60000"/>
-            <a:hueOff val="0"/>
-            <a:satOff val="0"/>
-            <a:lumOff val="0"/>
-            <a:alphaOff val="0"/>
+          <a:schemeClr val="bg1">
+            <a:lumMod val="95000"/>
           </a:schemeClr>
         </a:solidFill>
         <a:ln>
@@ -2638,20 +2903,14 @@
           </a:avLst>
         </a:prstGeom>
         <a:solidFill>
-          <a:schemeClr val="accent1">
-            <a:hueOff val="0"/>
-            <a:satOff val="0"/>
-            <a:lumOff val="0"/>
-            <a:alphaOff val="0"/>
+          <a:schemeClr val="bg1">
+            <a:lumMod val="85000"/>
           </a:schemeClr>
         </a:solidFill>
         <a:ln w="12700" cap="flat" cmpd="sng" algn="ctr">
           <a:solidFill>
-            <a:schemeClr val="lt1">
-              <a:hueOff val="0"/>
-              <a:satOff val="0"/>
-              <a:lumOff val="0"/>
-              <a:alphaOff val="0"/>
+            <a:schemeClr val="bg1">
+              <a:lumMod val="75000"/>
             </a:schemeClr>
           </a:solidFill>
           <a:prstDash val="solid"/>
@@ -2674,12 +2933,12 @@
         </a:fontRef>
       </dsp:style>
       <dsp:txBody>
-        <a:bodyPr spcFirstLastPara="0" vert="horz" wrap="square" lIns="45720" tIns="45720" rIns="45720" bIns="45720" numCol="1" spcCol="1270" anchor="ctr" anchorCtr="0">
+        <a:bodyPr spcFirstLastPara="0" vert="horz" wrap="square" lIns="53340" tIns="53340" rIns="53340" bIns="53340" numCol="1" spcCol="1270" anchor="ctr" anchorCtr="0">
           <a:noAutofit/>
         </a:bodyPr>
         <a:lstStyle/>
         <a:p>
-          <a:pPr lvl="0" algn="ctr" defTabSz="533400">
+          <a:pPr lvl="0" algn="ctr" defTabSz="622300">
             <a:lnSpc>
               <a:spcPct val="90000"/>
             </a:lnSpc>
@@ -2691,14 +2950,18 @@
             </a:spcAft>
           </a:pPr>
           <a:r>
-            <a:rPr lang="en-US" sz="1200" kern="1200" dirty="0" smtClean="0"/>
-            <a:t>Set all pixels outside contiguous US boundaries and equal to zero to </a:t>
+            <a:rPr lang="en-US" sz="1400" kern="1200" dirty="0" smtClean="0">
+              <a:solidFill>
+                <a:schemeClr val="tx1"/>
+              </a:solidFill>
+            </a:rPr>
+            <a:t>Set all pixels outside contiguous US boundaries and equal to zero to NaN</a:t>
           </a:r>
-          <a:r>
-            <a:rPr lang="en-US" sz="1200" kern="1200" dirty="0" err="1" smtClean="0"/>
-            <a:t>NaN</a:t>
-          </a:r>
-          <a:endParaRPr lang="en-US" sz="1200" kern="1200" dirty="0"/>
+          <a:endParaRPr lang="en-US" sz="1400" kern="1200" dirty="0">
+            <a:solidFill>
+              <a:schemeClr val="tx1"/>
+            </a:solidFill>
+          </a:endParaRPr>
         </a:p>
       </dsp:txBody>
       <dsp:txXfrm>
@@ -2720,12 +2983,8 @@
           <a:avLst/>
         </a:prstGeom>
         <a:solidFill>
-          <a:schemeClr val="accent1">
-            <a:tint val="60000"/>
-            <a:hueOff val="0"/>
-            <a:satOff val="0"/>
-            <a:lumOff val="0"/>
-            <a:alphaOff val="0"/>
+          <a:schemeClr val="bg1">
+            <a:lumMod val="95000"/>
           </a:schemeClr>
         </a:solidFill>
         <a:ln>
@@ -2764,20 +3023,14 @@
           </a:avLst>
         </a:prstGeom>
         <a:solidFill>
-          <a:schemeClr val="accent1">
-            <a:hueOff val="0"/>
-            <a:satOff val="0"/>
-            <a:lumOff val="0"/>
-            <a:alphaOff val="0"/>
+          <a:schemeClr val="bg1">
+            <a:lumMod val="85000"/>
           </a:schemeClr>
         </a:solidFill>
         <a:ln w="12700" cap="flat" cmpd="sng" algn="ctr">
           <a:solidFill>
-            <a:schemeClr val="lt1">
-              <a:hueOff val="0"/>
-              <a:satOff val="0"/>
-              <a:lumOff val="0"/>
-              <a:alphaOff val="0"/>
+            <a:schemeClr val="bg1">
+              <a:lumMod val="75000"/>
             </a:schemeClr>
           </a:solidFill>
           <a:prstDash val="solid"/>
@@ -2800,12 +3053,12 @@
         </a:fontRef>
       </dsp:style>
       <dsp:txBody>
-        <a:bodyPr spcFirstLastPara="0" vert="horz" wrap="square" lIns="45720" tIns="45720" rIns="45720" bIns="45720" numCol="1" spcCol="1270" anchor="ctr" anchorCtr="0">
+        <a:bodyPr spcFirstLastPara="0" vert="horz" wrap="square" lIns="53340" tIns="53340" rIns="53340" bIns="53340" numCol="1" spcCol="1270" anchor="ctr" anchorCtr="0">
           <a:noAutofit/>
         </a:bodyPr>
         <a:lstStyle/>
         <a:p>
-          <a:pPr lvl="0" algn="ctr" defTabSz="533400">
+          <a:pPr lvl="0" algn="ctr" defTabSz="622300">
             <a:lnSpc>
               <a:spcPct val="90000"/>
             </a:lnSpc>
@@ -2817,10 +3070,18 @@
             </a:spcAft>
           </a:pPr>
           <a:r>
-            <a:rPr lang="en-US" sz="1200" kern="1200" dirty="0" smtClean="0"/>
+            <a:rPr lang="en-US" sz="1400" kern="1200" dirty="0" smtClean="0">
+              <a:solidFill>
+                <a:schemeClr val="tx1"/>
+              </a:solidFill>
+            </a:rPr>
             <a:t>Compute the distances between LOI and the map coordinates, and select the rainfall at the closest location to LOI as the rainfall at LOI</a:t>
           </a:r>
-          <a:endParaRPr lang="en-US" sz="1200" kern="1200" dirty="0"/>
+          <a:endParaRPr lang="en-US" sz="1400" kern="1200" dirty="0">
+            <a:solidFill>
+              <a:schemeClr val="tx1"/>
+            </a:solidFill>
+          </a:endParaRPr>
         </a:p>
       </dsp:txBody>
       <dsp:txXfrm>
@@ -2844,20 +3105,14 @@
           </a:avLst>
         </a:prstGeom>
         <a:solidFill>
-          <a:schemeClr val="accent1">
-            <a:hueOff val="0"/>
-            <a:satOff val="0"/>
-            <a:lumOff val="0"/>
-            <a:alphaOff val="0"/>
+          <a:schemeClr val="bg1">
+            <a:lumMod val="85000"/>
           </a:schemeClr>
         </a:solidFill>
         <a:ln w="12700" cap="flat" cmpd="sng" algn="ctr">
           <a:solidFill>
-            <a:schemeClr val="lt1">
-              <a:hueOff val="0"/>
-              <a:satOff val="0"/>
-              <a:lumOff val="0"/>
-              <a:alphaOff val="0"/>
+            <a:schemeClr val="bg1">
+              <a:lumMod val="75000"/>
             </a:schemeClr>
           </a:solidFill>
           <a:prstDash val="solid"/>
@@ -2880,12 +3135,12 @@
         </a:fontRef>
       </dsp:style>
       <dsp:txBody>
-        <a:bodyPr spcFirstLastPara="0" vert="horz" wrap="square" lIns="45720" tIns="45720" rIns="45720" bIns="45720" numCol="1" spcCol="1270" anchor="ctr" anchorCtr="0">
+        <a:bodyPr spcFirstLastPara="0" vert="horz" wrap="square" lIns="53340" tIns="53340" rIns="53340" bIns="53340" numCol="1" spcCol="1270" anchor="ctr" anchorCtr="0">
           <a:noAutofit/>
         </a:bodyPr>
         <a:lstStyle/>
         <a:p>
-          <a:pPr lvl="0" algn="ctr" defTabSz="533400">
+          <a:pPr lvl="0" algn="ctr" defTabSz="622300">
             <a:lnSpc>
               <a:spcPct val="90000"/>
             </a:lnSpc>
@@ -2897,10 +3152,18 @@
             </a:spcAft>
           </a:pPr>
           <a:r>
-            <a:rPr lang="en-US" sz="1200" kern="1200" dirty="0" smtClean="0"/>
+            <a:rPr lang="en-US" sz="1400" kern="1200" dirty="0" smtClean="0">
+              <a:solidFill>
+                <a:schemeClr val="tx1"/>
+              </a:solidFill>
+            </a:rPr>
             <a:t>Plot a map of contiguous US showing LOI</a:t>
           </a:r>
-          <a:endParaRPr lang="en-US" sz="1200" kern="1200" dirty="0"/>
+          <a:endParaRPr lang="en-US" sz="1400" kern="1200" dirty="0">
+            <a:solidFill>
+              <a:schemeClr val="tx1"/>
+            </a:solidFill>
+          </a:endParaRPr>
         </a:p>
       </dsp:txBody>
       <dsp:txXfrm>
@@ -4309,7 +4572,7 @@
           <a:p>
             <a:fld id="{FD1E18D0-25C8-47E6-97F9-5513FD31F6AF}" type="datetimeFigureOut">
               <a:rPr lang="en-US" smtClean="0"/>
-              <a:t>5/3/2020</a:t>
+              <a:t>5/4/2020</a:t>
             </a:fld>
             <a:endParaRPr lang="en-US"/>
           </a:p>
@@ -4479,7 +4742,7 @@
           <a:p>
             <a:fld id="{FD1E18D0-25C8-47E6-97F9-5513FD31F6AF}" type="datetimeFigureOut">
               <a:rPr lang="en-US" smtClean="0"/>
-              <a:t>5/3/2020</a:t>
+              <a:t>5/4/2020</a:t>
             </a:fld>
             <a:endParaRPr lang="en-US"/>
           </a:p>
@@ -4659,7 +4922,7 @@
           <a:p>
             <a:fld id="{FD1E18D0-25C8-47E6-97F9-5513FD31F6AF}" type="datetimeFigureOut">
               <a:rPr lang="en-US" smtClean="0"/>
-              <a:t>5/3/2020</a:t>
+              <a:t>5/4/2020</a:t>
             </a:fld>
             <a:endParaRPr lang="en-US"/>
           </a:p>
@@ -4829,7 +5092,7 @@
           <a:p>
             <a:fld id="{FD1E18D0-25C8-47E6-97F9-5513FD31F6AF}" type="datetimeFigureOut">
               <a:rPr lang="en-US" smtClean="0"/>
-              <a:t>5/3/2020</a:t>
+              <a:t>5/4/2020</a:t>
             </a:fld>
             <a:endParaRPr lang="en-US"/>
           </a:p>
@@ -5075,7 +5338,7 @@
           <a:p>
             <a:fld id="{FD1E18D0-25C8-47E6-97F9-5513FD31F6AF}" type="datetimeFigureOut">
               <a:rPr lang="en-US" smtClean="0"/>
-              <a:t>5/3/2020</a:t>
+              <a:t>5/4/2020</a:t>
             </a:fld>
             <a:endParaRPr lang="en-US"/>
           </a:p>
@@ -5307,7 +5570,7 @@
           <a:p>
             <a:fld id="{FD1E18D0-25C8-47E6-97F9-5513FD31F6AF}" type="datetimeFigureOut">
               <a:rPr lang="en-US" smtClean="0"/>
-              <a:t>5/3/2020</a:t>
+              <a:t>5/4/2020</a:t>
             </a:fld>
             <a:endParaRPr lang="en-US"/>
           </a:p>
@@ -5674,7 +5937,7 @@
           <a:p>
             <a:fld id="{FD1E18D0-25C8-47E6-97F9-5513FD31F6AF}" type="datetimeFigureOut">
               <a:rPr lang="en-US" smtClean="0"/>
-              <a:t>5/3/2020</a:t>
+              <a:t>5/4/2020</a:t>
             </a:fld>
             <a:endParaRPr lang="en-US"/>
           </a:p>
@@ -5792,7 +6055,7 @@
           <a:p>
             <a:fld id="{FD1E18D0-25C8-47E6-97F9-5513FD31F6AF}" type="datetimeFigureOut">
               <a:rPr lang="en-US" smtClean="0"/>
-              <a:t>5/3/2020</a:t>
+              <a:t>5/4/2020</a:t>
             </a:fld>
             <a:endParaRPr lang="en-US"/>
           </a:p>
@@ -5887,7 +6150,7 @@
           <a:p>
             <a:fld id="{FD1E18D0-25C8-47E6-97F9-5513FD31F6AF}" type="datetimeFigureOut">
               <a:rPr lang="en-US" smtClean="0"/>
-              <a:t>5/3/2020</a:t>
+              <a:t>5/4/2020</a:t>
             </a:fld>
             <a:endParaRPr lang="en-US"/>
           </a:p>
@@ -6164,7 +6427,7 @@
           <a:p>
             <a:fld id="{FD1E18D0-25C8-47E6-97F9-5513FD31F6AF}" type="datetimeFigureOut">
               <a:rPr lang="en-US" smtClean="0"/>
-              <a:t>5/3/2020</a:t>
+              <a:t>5/4/2020</a:t>
             </a:fld>
             <a:endParaRPr lang="en-US"/>
           </a:p>
@@ -6417,7 +6680,7 @@
           <a:p>
             <a:fld id="{FD1E18D0-25C8-47E6-97F9-5513FD31F6AF}" type="datetimeFigureOut">
               <a:rPr lang="en-US" smtClean="0"/>
-              <a:t>5/3/2020</a:t>
+              <a:t>5/4/2020</a:t>
             </a:fld>
             <a:endParaRPr lang="en-US"/>
           </a:p>
@@ -6630,7 +6893,7 @@
           <a:p>
             <a:fld id="{FD1E18D0-25C8-47E6-97F9-5513FD31F6AF}" type="datetimeFigureOut">
               <a:rPr lang="en-US" smtClean="0"/>
-              <a:t>5/3/2020</a:t>
+              <a:t>5/4/2020</a:t>
             </a:fld>
             <a:endParaRPr lang="en-US"/>
           </a:p>
@@ -7042,7 +7305,7 @@
           <p:nvPr>
             <p:extLst>
               <p:ext uri="{D42A27DB-BD31-4B8C-83A1-F6EECF244321}">
-                <p14:modId xmlns:p14="http://schemas.microsoft.com/office/powerpoint/2010/main" val="787967251"/>
+                <p14:modId xmlns:p14="http://schemas.microsoft.com/office/powerpoint/2010/main" val="4027464609"/>
               </p:ext>
             </p:extLst>
           </p:nvPr>

--- a/Miscellaneous_files/Flow_chart.pptx
+++ b/Miscellaneous_files/Flow_chart.pptx
@@ -883,9 +883,7 @@
         </a:solidFill>
         <a:ln>
           <a:solidFill>
-            <a:schemeClr val="bg1">
-              <a:lumMod val="75000"/>
-            </a:schemeClr>
+            <a:schemeClr val="tx1"/>
           </a:solidFill>
         </a:ln>
       </dgm:spPr>
@@ -963,6 +961,11 @@
             <a:lumMod val="95000"/>
           </a:schemeClr>
         </a:solidFill>
+        <a:ln>
+          <a:solidFill>
+            <a:schemeClr val="tx1"/>
+          </a:solidFill>
+        </a:ln>
       </dgm:spPr>
       <dgm:t>
         <a:bodyPr/>
@@ -982,9 +985,7 @@
         </a:solidFill>
         <a:ln>
           <a:solidFill>
-            <a:schemeClr val="bg1">
-              <a:lumMod val="75000"/>
-            </a:schemeClr>
+            <a:schemeClr val="tx1"/>
           </a:solidFill>
         </a:ln>
       </dgm:spPr>
@@ -1057,6 +1058,11 @@
             <a:lumMod val="95000"/>
           </a:schemeClr>
         </a:solidFill>
+        <a:ln>
+          <a:solidFill>
+            <a:schemeClr val="tx1"/>
+          </a:solidFill>
+        </a:ln>
       </dgm:spPr>
       <dgm:t>
         <a:bodyPr/>
@@ -1076,9 +1082,7 @@
         </a:solidFill>
         <a:ln>
           <a:solidFill>
-            <a:schemeClr val="bg1">
-              <a:lumMod val="75000"/>
-            </a:schemeClr>
+            <a:schemeClr val="tx1"/>
           </a:solidFill>
         </a:ln>
       </dgm:spPr>
@@ -1092,23 +1096,7 @@
                 <a:schemeClr val="tx1"/>
               </a:solidFill>
             </a:rPr>
-            <a:t>Create </a:t>
-          </a:r>
-          <a:r>
-            <a:rPr lang="en-US" sz="1400" dirty="0" err="1" smtClean="0">
-              <a:solidFill>
-                <a:schemeClr val="tx1"/>
-              </a:solidFill>
-            </a:rPr>
-            <a:t>Haversine</a:t>
-          </a:r>
-          <a:r>
-            <a:rPr lang="en-US" sz="1400" dirty="0" smtClean="0">
-              <a:solidFill>
-                <a:schemeClr val="tx1"/>
-              </a:solidFill>
-            </a:rPr>
-            <a:t> function for distance computation</a:t>
+            <a:t>Create Haversine function for distance computation</a:t>
           </a:r>
           <a:endParaRPr lang="en-US" sz="1400" dirty="0">
             <a:solidFill>
@@ -1137,6 +1125,11 @@
             <a:lumMod val="95000"/>
           </a:schemeClr>
         </a:solidFill>
+        <a:ln>
+          <a:solidFill>
+            <a:schemeClr val="tx1"/>
+          </a:solidFill>
+        </a:ln>
       </dgm:spPr>
       <dgm:t>
         <a:bodyPr/>
@@ -1156,9 +1149,7 @@
         </a:solidFill>
         <a:ln>
           <a:solidFill>
-            <a:schemeClr val="bg1">
-              <a:lumMod val="75000"/>
-            </a:schemeClr>
+            <a:schemeClr val="tx1"/>
           </a:solidFill>
         </a:ln>
       </dgm:spPr>
@@ -1201,6 +1192,11 @@
             <a:lumMod val="95000"/>
           </a:schemeClr>
         </a:solidFill>
+        <a:ln>
+          <a:solidFill>
+            <a:schemeClr val="tx1"/>
+          </a:solidFill>
+        </a:ln>
       </dgm:spPr>
       <dgm:t>
         <a:bodyPr/>
@@ -1220,9 +1216,7 @@
         </a:solidFill>
         <a:ln>
           <a:solidFill>
-            <a:schemeClr val="bg1">
-              <a:lumMod val="75000"/>
-            </a:schemeClr>
+            <a:schemeClr val="tx1"/>
           </a:solidFill>
         </a:ln>
       </dgm:spPr>
@@ -1265,6 +1259,11 @@
             <a:lumMod val="95000"/>
           </a:schemeClr>
         </a:solidFill>
+        <a:ln>
+          <a:solidFill>
+            <a:schemeClr val="tx1"/>
+          </a:solidFill>
+        </a:ln>
       </dgm:spPr>
       <dgm:t>
         <a:bodyPr/>
@@ -1284,9 +1283,7 @@
         </a:solidFill>
         <a:ln>
           <a:solidFill>
-            <a:schemeClr val="bg1">
-              <a:lumMod val="75000"/>
-            </a:schemeClr>
+            <a:schemeClr val="tx1"/>
           </a:solidFill>
         </a:ln>
       </dgm:spPr>
@@ -1361,6 +1358,11 @@
             <a:lumMod val="95000"/>
           </a:schemeClr>
         </a:solidFill>
+        <a:ln>
+          <a:solidFill>
+            <a:schemeClr val="tx1"/>
+          </a:solidFill>
+        </a:ln>
       </dgm:spPr>
       <dgm:t>
         <a:bodyPr/>
@@ -1380,9 +1382,7 @@
         </a:solidFill>
         <a:ln>
           <a:solidFill>
-            <a:schemeClr val="bg1">
-              <a:lumMod val="75000"/>
-            </a:schemeClr>
+            <a:schemeClr val="tx1"/>
           </a:solidFill>
         </a:ln>
       </dgm:spPr>
@@ -1425,6 +1425,11 @@
             <a:lumMod val="95000"/>
           </a:schemeClr>
         </a:solidFill>
+        <a:ln>
+          <a:solidFill>
+            <a:schemeClr val="tx1"/>
+          </a:solidFill>
+        </a:ln>
       </dgm:spPr>
       <dgm:t>
         <a:bodyPr/>
@@ -1444,9 +1449,7 @@
         </a:solidFill>
         <a:ln>
           <a:solidFill>
-            <a:schemeClr val="bg1">
-              <a:lumMod val="75000"/>
-            </a:schemeClr>
+            <a:schemeClr val="tx1"/>
           </a:solidFill>
         </a:ln>
       </dgm:spPr>
@@ -1489,6 +1492,11 @@
             <a:lumMod val="95000"/>
           </a:schemeClr>
         </a:solidFill>
+        <a:ln>
+          <a:solidFill>
+            <a:schemeClr val="tx1"/>
+          </a:solidFill>
+        </a:ln>
       </dgm:spPr>
       <dgm:t>
         <a:bodyPr/>
@@ -1508,9 +1516,7 @@
         </a:solidFill>
         <a:ln>
           <a:solidFill>
-            <a:schemeClr val="bg1">
-              <a:lumMod val="75000"/>
-            </a:schemeClr>
+            <a:schemeClr val="tx1"/>
           </a:solidFill>
         </a:ln>
       </dgm:spPr>
@@ -1969,7 +1975,9 @@
           </a:schemeClr>
         </a:solidFill>
         <a:ln>
-          <a:noFill/>
+          <a:solidFill>
+            <a:schemeClr val="tx1"/>
+          </a:solidFill>
         </a:ln>
         <a:effectLst/>
       </dsp:spPr>
@@ -2010,9 +2018,7 @@
         </a:solidFill>
         <a:ln w="12700" cap="flat" cmpd="sng" algn="ctr">
           <a:solidFill>
-            <a:schemeClr val="bg1">
-              <a:lumMod val="75000"/>
-            </a:schemeClr>
+            <a:schemeClr val="tx1"/>
           </a:solidFill>
           <a:prstDash val="solid"/>
           <a:miter lim="800000"/>
@@ -2157,7 +2163,9 @@
           </a:schemeClr>
         </a:solidFill>
         <a:ln>
-          <a:noFill/>
+          <a:solidFill>
+            <a:schemeClr val="tx1"/>
+          </a:solidFill>
         </a:ln>
         <a:effectLst/>
       </dsp:spPr>
@@ -2198,9 +2206,7 @@
         </a:solidFill>
         <a:ln w="12700" cap="flat" cmpd="sng" algn="ctr">
           <a:solidFill>
-            <a:schemeClr val="bg1">
-              <a:lumMod val="75000"/>
-            </a:schemeClr>
+            <a:schemeClr val="tx1"/>
           </a:solidFill>
           <a:prstDash val="solid"/>
           <a:miter lim="800000"/>
@@ -2340,7 +2346,9 @@
           </a:schemeClr>
         </a:solidFill>
         <a:ln>
-          <a:noFill/>
+          <a:solidFill>
+            <a:schemeClr val="tx1"/>
+          </a:solidFill>
         </a:ln>
         <a:effectLst/>
       </dsp:spPr>
@@ -2381,9 +2389,7 @@
         </a:solidFill>
         <a:ln w="12700" cap="flat" cmpd="sng" algn="ctr">
           <a:solidFill>
-            <a:schemeClr val="bg1">
-              <a:lumMod val="75000"/>
-            </a:schemeClr>
+            <a:schemeClr val="tx1"/>
           </a:solidFill>
           <a:prstDash val="solid"/>
           <a:miter lim="800000"/>
@@ -2427,23 +2433,7 @@
                 <a:schemeClr val="tx1"/>
               </a:solidFill>
             </a:rPr>
-            <a:t>Create </a:t>
-          </a:r>
-          <a:r>
-            <a:rPr lang="en-US" sz="1400" kern="1200" dirty="0" err="1" smtClean="0">
-              <a:solidFill>
-                <a:schemeClr val="tx1"/>
-              </a:solidFill>
-            </a:rPr>
-            <a:t>Haversine</a:t>
-          </a:r>
-          <a:r>
-            <a:rPr lang="en-US" sz="1400" kern="1200" dirty="0" smtClean="0">
-              <a:solidFill>
-                <a:schemeClr val="tx1"/>
-              </a:solidFill>
-            </a:rPr>
-            <a:t> function for distance computation</a:t>
+            <a:t>Create Haversine function for distance computation</a:t>
           </a:r>
           <a:endParaRPr lang="en-US" sz="1400" kern="1200" dirty="0">
             <a:solidFill>
@@ -2476,7 +2466,9 @@
           </a:schemeClr>
         </a:solidFill>
         <a:ln>
-          <a:noFill/>
+          <a:solidFill>
+            <a:schemeClr val="tx1"/>
+          </a:solidFill>
         </a:ln>
         <a:effectLst/>
       </dsp:spPr>
@@ -2517,9 +2509,7 @@
         </a:solidFill>
         <a:ln w="12700" cap="flat" cmpd="sng" algn="ctr">
           <a:solidFill>
-            <a:schemeClr val="bg1">
-              <a:lumMod val="75000"/>
-            </a:schemeClr>
+            <a:schemeClr val="tx1"/>
           </a:solidFill>
           <a:prstDash val="solid"/>
           <a:miter lim="800000"/>
@@ -2596,7 +2586,9 @@
           </a:schemeClr>
         </a:solidFill>
         <a:ln>
-          <a:noFill/>
+          <a:solidFill>
+            <a:schemeClr val="tx1"/>
+          </a:solidFill>
         </a:ln>
         <a:effectLst/>
       </dsp:spPr>
@@ -2637,9 +2629,7 @@
         </a:solidFill>
         <a:ln w="12700" cap="flat" cmpd="sng" algn="ctr">
           <a:solidFill>
-            <a:schemeClr val="bg1">
-              <a:lumMod val="75000"/>
-            </a:schemeClr>
+            <a:schemeClr val="tx1"/>
           </a:solidFill>
           <a:prstDash val="solid"/>
           <a:miter lim="800000"/>
@@ -2716,7 +2706,9 @@
           </a:schemeClr>
         </a:solidFill>
         <a:ln>
-          <a:noFill/>
+          <a:solidFill>
+            <a:schemeClr val="tx1"/>
+          </a:solidFill>
         </a:ln>
         <a:effectLst/>
       </dsp:spPr>
@@ -2757,9 +2749,7 @@
         </a:solidFill>
         <a:ln w="12700" cap="flat" cmpd="sng" algn="ctr">
           <a:solidFill>
-            <a:schemeClr val="bg1">
-              <a:lumMod val="75000"/>
-            </a:schemeClr>
+            <a:schemeClr val="tx1"/>
           </a:solidFill>
           <a:prstDash val="solid"/>
           <a:miter lim="800000"/>
@@ -2868,7 +2858,9 @@
           </a:schemeClr>
         </a:solidFill>
         <a:ln>
-          <a:noFill/>
+          <a:solidFill>
+            <a:schemeClr val="tx1"/>
+          </a:solidFill>
         </a:ln>
         <a:effectLst/>
       </dsp:spPr>
@@ -2909,9 +2901,7 @@
         </a:solidFill>
         <a:ln w="12700" cap="flat" cmpd="sng" algn="ctr">
           <a:solidFill>
-            <a:schemeClr val="bg1">
-              <a:lumMod val="75000"/>
-            </a:schemeClr>
+            <a:schemeClr val="tx1"/>
           </a:solidFill>
           <a:prstDash val="solid"/>
           <a:miter lim="800000"/>
@@ -2988,7 +2978,9 @@
           </a:schemeClr>
         </a:solidFill>
         <a:ln>
-          <a:noFill/>
+          <a:solidFill>
+            <a:schemeClr val="tx1"/>
+          </a:solidFill>
         </a:ln>
         <a:effectLst/>
       </dsp:spPr>
@@ -3029,9 +3021,7 @@
         </a:solidFill>
         <a:ln w="12700" cap="flat" cmpd="sng" algn="ctr">
           <a:solidFill>
-            <a:schemeClr val="bg1">
-              <a:lumMod val="75000"/>
-            </a:schemeClr>
+            <a:schemeClr val="tx1"/>
           </a:solidFill>
           <a:prstDash val="solid"/>
           <a:miter lim="800000"/>
@@ -3111,9 +3101,7 @@
         </a:solidFill>
         <a:ln w="12700" cap="flat" cmpd="sng" algn="ctr">
           <a:solidFill>
-            <a:schemeClr val="bg1">
-              <a:lumMod val="75000"/>
-            </a:schemeClr>
+            <a:schemeClr val="tx1"/>
           </a:solidFill>
           <a:prstDash val="solid"/>
           <a:miter lim="800000"/>
@@ -7305,7 +7293,7 @@
           <p:nvPr>
             <p:extLst>
               <p:ext uri="{D42A27DB-BD31-4B8C-83A1-F6EECF244321}">
-                <p14:modId xmlns:p14="http://schemas.microsoft.com/office/powerpoint/2010/main" val="4027464609"/>
+                <p14:modId xmlns:p14="http://schemas.microsoft.com/office/powerpoint/2010/main" val="1690074669"/>
               </p:ext>
             </p:extLst>
           </p:nvPr>

--- a/Miscellaneous_files/Flow_chart.pptx
+++ b/Miscellaneous_files/Flow_chart.pptx
@@ -5,7 +5,8 @@
     <p:sldMasterId id="2147483648" r:id="rId1"/>
   </p:sldMasterIdLst>
   <p:sldIdLst>
-    <p:sldId id="257" r:id="rId2"/>
+    <p:sldId id="258" r:id="rId2"/>
+    <p:sldId id="257" r:id="rId3"/>
   </p:sldIdLst>
   <p:sldSz cx="12192000" cy="6858000"/>
   <p:notesSz cx="6858000" cy="9144000"/>
@@ -1091,14 +1092,14 @@
         <a:lstStyle/>
         <a:p>
           <a:r>
-            <a:rPr lang="en-US" sz="1400" dirty="0" smtClean="0">
+            <a:rPr lang="en-US" sz="1400" b="0" dirty="0" smtClean="0">
               <a:solidFill>
                 <a:schemeClr val="tx1"/>
               </a:solidFill>
             </a:rPr>
-            <a:t>Create Haversine function for distance computation</a:t>
+            <a:t>Open the gridded map (GeoTiff file), create a Coordinate Reference System (CRS) function to  convert the CRS of the map to EPSG: 4326 </a:t>
           </a:r>
-          <a:endParaRPr lang="en-US" sz="1400" dirty="0">
+          <a:endParaRPr lang="en-US" sz="1400" dirty="0" smtClean="0">
             <a:solidFill>
               <a:schemeClr val="tx1"/>
             </a:solidFill>
@@ -1291,46 +1292,6 @@
         <a:bodyPr/>
         <a:lstStyle/>
         <a:p>
-          <a:r>
-            <a:rPr lang="en-US" sz="1400" b="0" dirty="0" smtClean="0">
-              <a:solidFill>
-                <a:schemeClr val="tx1"/>
-              </a:solidFill>
-            </a:rPr>
-            <a:t>Open the gridded map (GeoTiff file</a:t>
-          </a:r>
-          <a:r>
-            <a:rPr lang="en-US" sz="1400" b="0" dirty="0" smtClean="0">
-              <a:solidFill>
-                <a:schemeClr val="tx1"/>
-              </a:solidFill>
-            </a:rPr>
-            <a:t>), </a:t>
-          </a:r>
-          <a:r>
-            <a:rPr lang="en-US" sz="1400" b="0" dirty="0" smtClean="0">
-              <a:solidFill>
-                <a:schemeClr val="tx1"/>
-              </a:solidFill>
-            </a:rPr>
-            <a:t>create a Coordinate Reference System (CRS) </a:t>
-          </a:r>
-          <a:r>
-            <a:rPr lang="en-US" sz="1400" b="0" dirty="0" smtClean="0">
-              <a:solidFill>
-                <a:schemeClr val="tx1"/>
-              </a:solidFill>
-            </a:rPr>
-            <a:t>function to  </a:t>
-          </a:r>
-          <a:r>
-            <a:rPr lang="en-US" sz="1400" b="0" dirty="0" smtClean="0">
-              <a:solidFill>
-                <a:schemeClr val="tx1"/>
-              </a:solidFill>
-            </a:rPr>
-            <a:t>convert the CRS of the map to EPSG: 4326 </a:t>
-          </a:r>
           <a:endParaRPr lang="en-US" sz="1400" b="0" dirty="0">
             <a:solidFill>
               <a:schemeClr val="tx1"/>
@@ -2428,14 +2389,14 @@
             </a:spcAft>
           </a:pPr>
           <a:r>
-            <a:rPr lang="en-US" sz="1400" kern="1200" dirty="0" smtClean="0">
+            <a:rPr lang="en-US" sz="1400" b="0" kern="1200" dirty="0" smtClean="0">
               <a:solidFill>
                 <a:schemeClr val="tx1"/>
               </a:solidFill>
             </a:rPr>
-            <a:t>Create Haversine function for distance computation</a:t>
+            <a:t>Open the gridded map (GeoTiff file), create a Coordinate Reference System (CRS) function to  convert the CRS of the map to EPSG: 4326 </a:t>
           </a:r>
-          <a:endParaRPr lang="en-US" sz="1400" kern="1200" dirty="0">
+          <a:endParaRPr lang="en-US" sz="1400" kern="1200" dirty="0" smtClean="0">
             <a:solidFill>
               <a:schemeClr val="tx1"/>
             </a:solidFill>
@@ -2787,46 +2748,6 @@
               <a:spcPct val="35000"/>
             </a:spcAft>
           </a:pPr>
-          <a:r>
-            <a:rPr lang="en-US" sz="1400" b="0" kern="1200" dirty="0" smtClean="0">
-              <a:solidFill>
-                <a:schemeClr val="tx1"/>
-              </a:solidFill>
-            </a:rPr>
-            <a:t>Open the gridded map (GeoTiff file</a:t>
-          </a:r>
-          <a:r>
-            <a:rPr lang="en-US" sz="1400" b="0" kern="1200" dirty="0" smtClean="0">
-              <a:solidFill>
-                <a:schemeClr val="tx1"/>
-              </a:solidFill>
-            </a:rPr>
-            <a:t>), </a:t>
-          </a:r>
-          <a:r>
-            <a:rPr lang="en-US" sz="1400" b="0" kern="1200" dirty="0" smtClean="0">
-              <a:solidFill>
-                <a:schemeClr val="tx1"/>
-              </a:solidFill>
-            </a:rPr>
-            <a:t>create a Coordinate Reference System (CRS) </a:t>
-          </a:r>
-          <a:r>
-            <a:rPr lang="en-US" sz="1400" b="0" kern="1200" dirty="0" smtClean="0">
-              <a:solidFill>
-                <a:schemeClr val="tx1"/>
-              </a:solidFill>
-            </a:rPr>
-            <a:t>function to  </a:t>
-          </a:r>
-          <a:r>
-            <a:rPr lang="en-US" sz="1400" b="0" kern="1200" dirty="0" smtClean="0">
-              <a:solidFill>
-                <a:schemeClr val="tx1"/>
-              </a:solidFill>
-            </a:rPr>
-            <a:t>convert the CRS of the map to EPSG: 4326 </a:t>
-          </a:r>
           <a:endParaRPr lang="en-US" sz="1400" b="0" kern="1200" dirty="0">
             <a:solidFill>
               <a:schemeClr val="tx1"/>
@@ -7286,6 +7207,1336 @@
           <a:chExt cx="0" cy="0"/>
         </a:xfrm>
       </p:grpSpPr>
+      <p:grpSp>
+        <p:nvGrpSpPr>
+          <p:cNvPr id="31" name="Group 30"/>
+          <p:cNvGrpSpPr/>
+          <p:nvPr/>
+        </p:nvGrpSpPr>
+        <p:grpSpPr>
+          <a:xfrm>
+            <a:off x="690111" y="707930"/>
+            <a:ext cx="10072778" cy="4851186"/>
+            <a:chOff x="690111" y="707930"/>
+            <a:chExt cx="10072778" cy="4851186"/>
+          </a:xfrm>
+        </p:grpSpPr>
+        <p:sp>
+          <p:nvSpPr>
+            <p:cNvPr id="2" name="TextBox 1"/>
+            <p:cNvSpPr txBox="1"/>
+            <p:nvPr/>
+          </p:nvSpPr>
+          <p:spPr>
+            <a:xfrm>
+              <a:off x="724618" y="707930"/>
+              <a:ext cx="2631057" cy="523220"/>
+            </a:xfrm>
+            <a:prstGeom prst="rect">
+              <a:avLst/>
+            </a:prstGeom>
+            <a:solidFill>
+              <a:schemeClr val="accent1">
+                <a:lumMod val="75000"/>
+              </a:schemeClr>
+            </a:solidFill>
+            <a:ln>
+              <a:solidFill>
+                <a:schemeClr val="tx1"/>
+              </a:solidFill>
+            </a:ln>
+          </p:spPr>
+          <p:txBody>
+            <a:bodyPr wrap="square" rtlCol="0">
+              <a:spAutoFit/>
+            </a:bodyPr>
+            <a:lstStyle/>
+            <a:p>
+              <a:pPr lvl="0"/>
+              <a:r>
+                <a:rPr lang="en-US" sz="1400" b="1" u="sng" dirty="0">
+                  <a:solidFill>
+                    <a:schemeClr val="bg1"/>
+                  </a:solidFill>
+                </a:rPr>
+                <a:t>Required Package</a:t>
+              </a:r>
+            </a:p>
+            <a:p>
+              <a:pPr lvl="0"/>
+              <a:r>
+                <a:rPr lang="en-US" sz="1400" dirty="0">
+                  <a:solidFill>
+                    <a:schemeClr val="bg1"/>
+                  </a:solidFill>
+                </a:rPr>
+                <a:t>Install </a:t>
+              </a:r>
+              <a:r>
+                <a:rPr lang="en-US" sz="1400" dirty="0" smtClean="0">
+                  <a:solidFill>
+                    <a:schemeClr val="bg1"/>
+                  </a:solidFill>
+                </a:rPr>
+                <a:t>rasterio module</a:t>
+              </a:r>
+              <a:endParaRPr lang="en-US" sz="1400" dirty="0">
+                <a:solidFill>
+                  <a:schemeClr val="bg1"/>
+                </a:solidFill>
+              </a:endParaRPr>
+            </a:p>
+          </p:txBody>
+        </p:sp>
+        <p:sp>
+          <p:nvSpPr>
+            <p:cNvPr id="3" name="TextBox 2"/>
+            <p:cNvSpPr txBox="1"/>
+            <p:nvPr/>
+          </p:nvSpPr>
+          <p:spPr>
+            <a:xfrm>
+              <a:off x="724617" y="1614461"/>
+              <a:ext cx="2631058" cy="738664"/>
+            </a:xfrm>
+            <a:prstGeom prst="rect">
+              <a:avLst/>
+            </a:prstGeom>
+            <a:solidFill>
+              <a:schemeClr val="accent1">
+                <a:lumMod val="75000"/>
+              </a:schemeClr>
+            </a:solidFill>
+          </p:spPr>
+          <p:txBody>
+            <a:bodyPr wrap="square" rtlCol="0">
+              <a:spAutoFit/>
+            </a:bodyPr>
+            <a:lstStyle/>
+            <a:p>
+              <a:pPr lvl="0"/>
+              <a:r>
+                <a:rPr lang="en-US" sz="1400" b="1" u="sng" dirty="0" smtClean="0">
+                  <a:solidFill>
+                    <a:schemeClr val="bg1"/>
+                  </a:solidFill>
+                </a:rPr>
+                <a:t>Imported </a:t>
+              </a:r>
+              <a:r>
+                <a:rPr lang="en-US" sz="1400" b="1" u="sng" dirty="0">
+                  <a:solidFill>
+                    <a:schemeClr val="bg1"/>
+                  </a:solidFill>
+                </a:rPr>
+                <a:t>modules</a:t>
+              </a:r>
+              <a:endParaRPr lang="en-US" sz="1400" b="1" dirty="0">
+                <a:solidFill>
+                  <a:schemeClr val="bg1"/>
+                </a:solidFill>
+              </a:endParaRPr>
+            </a:p>
+            <a:p>
+              <a:pPr lvl="0"/>
+              <a:r>
+                <a:rPr lang="en-US" sz="1400" dirty="0" smtClean="0">
+                  <a:solidFill>
+                    <a:schemeClr val="bg1"/>
+                  </a:solidFill>
+                </a:rPr>
+                <a:t>rasterio</a:t>
+              </a:r>
+              <a:r>
+                <a:rPr lang="en-US" sz="1400" dirty="0">
+                  <a:solidFill>
+                    <a:schemeClr val="bg1"/>
+                  </a:solidFill>
+                </a:rPr>
+                <a:t>, </a:t>
+              </a:r>
+              <a:r>
+                <a:rPr lang="en-US" sz="1400" dirty="0" smtClean="0">
+                  <a:solidFill>
+                    <a:schemeClr val="bg1"/>
+                  </a:solidFill>
+                </a:rPr>
+                <a:t>glob, numpy</a:t>
+              </a:r>
+              <a:r>
+                <a:rPr lang="en-US" sz="1400" dirty="0">
+                  <a:solidFill>
+                    <a:schemeClr val="bg1"/>
+                  </a:solidFill>
+                </a:rPr>
+                <a:t>, math, and matplotlib</a:t>
+              </a:r>
+              <a:endParaRPr lang="en-US" sz="1400" dirty="0">
+                <a:solidFill>
+                  <a:schemeClr val="bg1"/>
+                </a:solidFill>
+              </a:endParaRPr>
+            </a:p>
+          </p:txBody>
+        </p:sp>
+        <p:sp>
+          <p:nvSpPr>
+            <p:cNvPr id="4" name="TextBox 3"/>
+            <p:cNvSpPr txBox="1"/>
+            <p:nvPr/>
+          </p:nvSpPr>
+          <p:spPr>
+            <a:xfrm>
+              <a:off x="690111" y="2790537"/>
+              <a:ext cx="2631058" cy="954107"/>
+            </a:xfrm>
+            <a:prstGeom prst="rect">
+              <a:avLst/>
+            </a:prstGeom>
+            <a:solidFill>
+              <a:schemeClr val="accent1">
+                <a:lumMod val="75000"/>
+              </a:schemeClr>
+            </a:solidFill>
+          </p:spPr>
+          <p:txBody>
+            <a:bodyPr wrap="square" rtlCol="0">
+              <a:spAutoFit/>
+            </a:bodyPr>
+            <a:lstStyle/>
+            <a:p>
+              <a:pPr lvl="0"/>
+              <a:r>
+                <a:rPr lang="en-US" sz="1400" b="1" u="sng" dirty="0">
+                  <a:solidFill>
+                    <a:schemeClr val="bg1"/>
+                  </a:solidFill>
+                </a:rPr>
+                <a:t>User inputs</a:t>
+              </a:r>
+            </a:p>
+            <a:p>
+              <a:pPr lvl="0"/>
+              <a:r>
+                <a:rPr lang="en-US" sz="1400" dirty="0">
+                  <a:solidFill>
+                    <a:schemeClr val="bg1"/>
+                  </a:solidFill>
+                </a:rPr>
+                <a:t>Name of location of interest (LOI)</a:t>
+              </a:r>
+            </a:p>
+            <a:p>
+              <a:pPr lvl="0"/>
+              <a:r>
+                <a:rPr lang="en-US" sz="1400" dirty="0">
+                  <a:solidFill>
+                    <a:schemeClr val="bg1"/>
+                  </a:solidFill>
+                </a:rPr>
+                <a:t>Latitude of LOI</a:t>
+              </a:r>
+            </a:p>
+            <a:p>
+              <a:pPr lvl="0"/>
+              <a:r>
+                <a:rPr lang="en-US" sz="1400" dirty="0">
+                  <a:solidFill>
+                    <a:schemeClr val="bg1"/>
+                  </a:solidFill>
+                </a:rPr>
+                <a:t>Longitude of LOI</a:t>
+              </a:r>
+              <a:endParaRPr lang="en-US" sz="1400" dirty="0">
+                <a:solidFill>
+                  <a:schemeClr val="bg1"/>
+                </a:solidFill>
+              </a:endParaRPr>
+            </a:p>
+          </p:txBody>
+        </p:sp>
+        <p:sp>
+          <p:nvSpPr>
+            <p:cNvPr id="5" name="TextBox 4"/>
+            <p:cNvSpPr txBox="1"/>
+            <p:nvPr/>
+          </p:nvSpPr>
+          <p:spPr>
+            <a:xfrm>
+              <a:off x="690111" y="4389565"/>
+              <a:ext cx="2631058" cy="1169551"/>
+            </a:xfrm>
+            <a:prstGeom prst="rect">
+              <a:avLst/>
+            </a:prstGeom>
+            <a:solidFill>
+              <a:schemeClr val="accent1">
+                <a:lumMod val="75000"/>
+              </a:schemeClr>
+            </a:solidFill>
+          </p:spPr>
+          <p:txBody>
+            <a:bodyPr wrap="square" rtlCol="0">
+              <a:spAutoFit/>
+            </a:bodyPr>
+            <a:lstStyle/>
+            <a:p>
+              <a:pPr lvl="0"/>
+              <a:r>
+                <a:rPr lang="en-US" sz="1400" dirty="0">
+                  <a:solidFill>
+                    <a:schemeClr val="bg1"/>
+                  </a:solidFill>
+                </a:rPr>
+                <a:t>Open the gridded map (GeoTiff file</a:t>
+              </a:r>
+              <a:r>
+                <a:rPr lang="en-US" sz="1400" dirty="0" smtClean="0">
+                  <a:solidFill>
+                    <a:schemeClr val="bg1"/>
+                  </a:solidFill>
+                </a:rPr>
+                <a:t>) in python with rasterio and check the map’s metadata, including the coordinate reference system (CRS)</a:t>
+              </a:r>
+              <a:endParaRPr lang="en-US" sz="1400" dirty="0">
+                <a:solidFill>
+                  <a:schemeClr val="bg1"/>
+                </a:solidFill>
+              </a:endParaRPr>
+            </a:p>
+          </p:txBody>
+        </p:sp>
+        <p:sp>
+          <p:nvSpPr>
+            <p:cNvPr id="6" name="TextBox 5"/>
+            <p:cNvSpPr txBox="1"/>
+            <p:nvPr/>
+          </p:nvSpPr>
+          <p:spPr>
+            <a:xfrm>
+              <a:off x="4284450" y="4389565"/>
+              <a:ext cx="2631058" cy="1169551"/>
+            </a:xfrm>
+            <a:prstGeom prst="rect">
+              <a:avLst/>
+            </a:prstGeom>
+            <a:solidFill>
+              <a:schemeClr val="accent1">
+                <a:lumMod val="75000"/>
+              </a:schemeClr>
+            </a:solidFill>
+          </p:spPr>
+          <p:txBody>
+            <a:bodyPr wrap="square" rtlCol="0">
+              <a:spAutoFit/>
+            </a:bodyPr>
+            <a:lstStyle/>
+            <a:p>
+              <a:r>
+                <a:rPr lang="en-US" sz="1400" dirty="0" smtClean="0">
+                  <a:solidFill>
+                    <a:schemeClr val="bg1"/>
+                  </a:solidFill>
+                </a:rPr>
+                <a:t>Create a coordinate reference system </a:t>
+              </a:r>
+              <a:r>
+                <a:rPr lang="en-US" sz="1400" dirty="0">
+                  <a:solidFill>
+                    <a:schemeClr val="bg1"/>
+                  </a:solidFill>
+                </a:rPr>
+                <a:t>(CRS) </a:t>
+              </a:r>
+              <a:r>
+                <a:rPr lang="en-US" sz="1400" dirty="0" smtClean="0">
+                  <a:solidFill>
+                    <a:schemeClr val="bg1"/>
+                  </a:solidFill>
+                </a:rPr>
+                <a:t> conversion function and </a:t>
+              </a:r>
+              <a:r>
+                <a:rPr lang="en-US" sz="1400" dirty="0">
+                  <a:solidFill>
+                    <a:schemeClr val="bg1"/>
+                  </a:solidFill>
+                </a:rPr>
+                <a:t>Convert the CRS of the map to EPSG: 4326</a:t>
+              </a:r>
+            </a:p>
+            <a:p>
+              <a:pPr lvl="0"/>
+              <a:endParaRPr lang="en-US" sz="1400" dirty="0"/>
+            </a:p>
+          </p:txBody>
+        </p:sp>
+        <p:sp>
+          <p:nvSpPr>
+            <p:cNvPr id="7" name="TextBox 6"/>
+            <p:cNvSpPr txBox="1"/>
+            <p:nvPr/>
+          </p:nvSpPr>
+          <p:spPr>
+            <a:xfrm>
+              <a:off x="4284450" y="1686438"/>
+              <a:ext cx="2631058" cy="954107"/>
+            </a:xfrm>
+            <a:prstGeom prst="rect">
+              <a:avLst/>
+            </a:prstGeom>
+            <a:solidFill>
+              <a:schemeClr val="accent1">
+                <a:lumMod val="75000"/>
+              </a:schemeClr>
+            </a:solidFill>
+          </p:spPr>
+          <p:txBody>
+            <a:bodyPr wrap="square" rtlCol="0">
+              <a:spAutoFit/>
+            </a:bodyPr>
+            <a:lstStyle/>
+            <a:p>
+              <a:pPr lvl="0"/>
+              <a:r>
+                <a:rPr lang="en-US" sz="1400" dirty="0">
+                  <a:solidFill>
+                    <a:schemeClr val="bg1"/>
+                  </a:solidFill>
+                </a:rPr>
+                <a:t>Create a 3D numpy array of NaNs and append </a:t>
+              </a:r>
+              <a:r>
+                <a:rPr lang="en-US" sz="1400" dirty="0" smtClean="0">
+                  <a:solidFill>
+                    <a:schemeClr val="bg1"/>
+                  </a:solidFill>
+                </a:rPr>
+                <a:t>the coordinates (lat. / lons.) and rainfall data from the new map</a:t>
+              </a:r>
+              <a:endParaRPr lang="en-US" sz="1400" dirty="0">
+                <a:solidFill>
+                  <a:schemeClr val="bg1"/>
+                </a:solidFill>
+              </a:endParaRPr>
+            </a:p>
+          </p:txBody>
+        </p:sp>
+        <p:sp>
+          <p:nvSpPr>
+            <p:cNvPr id="8" name="TextBox 7"/>
+            <p:cNvSpPr txBox="1"/>
+            <p:nvPr/>
+          </p:nvSpPr>
+          <p:spPr>
+            <a:xfrm>
+              <a:off x="4284450" y="707930"/>
+              <a:ext cx="2631058" cy="738664"/>
+            </a:xfrm>
+            <a:prstGeom prst="rect">
+              <a:avLst/>
+            </a:prstGeom>
+            <a:solidFill>
+              <a:schemeClr val="accent1">
+                <a:lumMod val="75000"/>
+              </a:schemeClr>
+            </a:solidFill>
+          </p:spPr>
+          <p:txBody>
+            <a:bodyPr wrap="square" rtlCol="0">
+              <a:spAutoFit/>
+            </a:bodyPr>
+            <a:lstStyle/>
+            <a:p>
+              <a:pPr lvl="0"/>
+              <a:r>
+                <a:rPr lang="en-US" sz="1400" dirty="0">
+                  <a:solidFill>
+                    <a:schemeClr val="bg1"/>
+                  </a:solidFill>
+                </a:rPr>
+                <a:t>Compute the total rainfall in each pixel in mm and set all negative rainfall values to </a:t>
+              </a:r>
+              <a:r>
+                <a:rPr lang="en-US" sz="1400" dirty="0" smtClean="0">
+                  <a:solidFill>
+                    <a:schemeClr val="bg1"/>
+                  </a:solidFill>
+                </a:rPr>
+                <a:t>NaN</a:t>
+              </a:r>
+              <a:endParaRPr lang="en-US" sz="1400" dirty="0">
+                <a:solidFill>
+                  <a:schemeClr val="bg1"/>
+                </a:solidFill>
+              </a:endParaRPr>
+            </a:p>
+          </p:txBody>
+        </p:sp>
+        <p:sp>
+          <p:nvSpPr>
+            <p:cNvPr id="9" name="TextBox 8"/>
+            <p:cNvSpPr txBox="1"/>
+            <p:nvPr/>
+          </p:nvSpPr>
+          <p:spPr>
+            <a:xfrm>
+              <a:off x="8131831" y="707930"/>
+              <a:ext cx="2631058" cy="738664"/>
+            </a:xfrm>
+            <a:prstGeom prst="rect">
+              <a:avLst/>
+            </a:prstGeom>
+            <a:solidFill>
+              <a:schemeClr val="accent1">
+                <a:lumMod val="75000"/>
+              </a:schemeClr>
+            </a:solidFill>
+            <a:ln>
+              <a:solidFill>
+                <a:schemeClr val="tx1"/>
+              </a:solidFill>
+            </a:ln>
+          </p:spPr>
+          <p:txBody>
+            <a:bodyPr wrap="square" rtlCol="0">
+              <a:spAutoFit/>
+            </a:bodyPr>
+            <a:lstStyle/>
+            <a:p>
+              <a:pPr lvl="0"/>
+              <a:r>
+                <a:rPr lang="en-US" sz="1400" dirty="0">
+                  <a:solidFill>
+                    <a:schemeClr val="bg1"/>
+                  </a:solidFill>
+                </a:rPr>
+                <a:t>Set all pixels </a:t>
+              </a:r>
+              <a:r>
+                <a:rPr lang="en-US" sz="1400" dirty="0" smtClean="0">
+                  <a:solidFill>
+                    <a:schemeClr val="bg1"/>
+                  </a:solidFill>
+                </a:rPr>
+                <a:t>outside the prism </a:t>
+              </a:r>
+              <a:r>
+                <a:rPr lang="en-US" sz="1400" dirty="0">
+                  <a:solidFill>
+                    <a:schemeClr val="bg1"/>
+                  </a:solidFill>
+                </a:rPr>
+                <a:t>contiguous US boundaries and equal to zero to NaN</a:t>
+              </a:r>
+              <a:endParaRPr lang="en-US" sz="1400" dirty="0">
+                <a:solidFill>
+                  <a:schemeClr val="bg1"/>
+                </a:solidFill>
+              </a:endParaRPr>
+            </a:p>
+          </p:txBody>
+        </p:sp>
+        <p:sp>
+          <p:nvSpPr>
+            <p:cNvPr id="10" name="TextBox 9"/>
+            <p:cNvSpPr txBox="1"/>
+            <p:nvPr/>
+          </p:nvSpPr>
+          <p:spPr>
+            <a:xfrm>
+              <a:off x="8131831" y="2163492"/>
+              <a:ext cx="2631058" cy="1169551"/>
+            </a:xfrm>
+            <a:prstGeom prst="rect">
+              <a:avLst/>
+            </a:prstGeom>
+            <a:solidFill>
+              <a:schemeClr val="accent1">
+                <a:lumMod val="75000"/>
+              </a:schemeClr>
+            </a:solidFill>
+          </p:spPr>
+          <p:txBody>
+            <a:bodyPr wrap="square" rtlCol="0">
+              <a:spAutoFit/>
+            </a:bodyPr>
+            <a:lstStyle/>
+            <a:p>
+              <a:pPr lvl="0"/>
+              <a:r>
+                <a:rPr lang="en-US" sz="1400" dirty="0">
+                  <a:solidFill>
+                    <a:schemeClr val="bg1"/>
+                  </a:solidFill>
+                </a:rPr>
+                <a:t>Create Haversine function for distance </a:t>
+              </a:r>
+              <a:r>
+                <a:rPr lang="en-US" sz="1400" dirty="0" smtClean="0">
+                  <a:solidFill>
+                    <a:schemeClr val="bg1"/>
+                  </a:solidFill>
+                </a:rPr>
+                <a:t>computation and compute the distance between LOI and each locations on the map</a:t>
+              </a:r>
+              <a:endParaRPr lang="en-US" sz="1400" dirty="0">
+                <a:solidFill>
+                  <a:schemeClr val="bg1"/>
+                </a:solidFill>
+              </a:endParaRPr>
+            </a:p>
+          </p:txBody>
+        </p:sp>
+        <p:sp>
+          <p:nvSpPr>
+            <p:cNvPr id="11" name="TextBox 10"/>
+            <p:cNvSpPr txBox="1"/>
+            <p:nvPr/>
+          </p:nvSpPr>
+          <p:spPr>
+            <a:xfrm>
+              <a:off x="8131831" y="3861685"/>
+              <a:ext cx="2631058" cy="523220"/>
+            </a:xfrm>
+            <a:prstGeom prst="rect">
+              <a:avLst/>
+            </a:prstGeom>
+            <a:solidFill>
+              <a:schemeClr val="accent1">
+                <a:lumMod val="75000"/>
+              </a:schemeClr>
+            </a:solidFill>
+          </p:spPr>
+          <p:txBody>
+            <a:bodyPr wrap="square" rtlCol="0">
+              <a:spAutoFit/>
+            </a:bodyPr>
+            <a:lstStyle/>
+            <a:p>
+              <a:pPr lvl="0"/>
+              <a:r>
+                <a:rPr lang="en-US" sz="1400" dirty="0">
+                  <a:solidFill>
+                    <a:schemeClr val="bg1"/>
+                  </a:solidFill>
+                </a:rPr>
+                <a:t>Plot a </a:t>
+              </a:r>
+              <a:r>
+                <a:rPr lang="en-US" sz="1400" dirty="0" smtClean="0">
+                  <a:solidFill>
+                    <a:schemeClr val="bg1"/>
+                  </a:solidFill>
+                </a:rPr>
+                <a:t>rainfall map </a:t>
+              </a:r>
+              <a:r>
+                <a:rPr lang="en-US" sz="1400" dirty="0">
+                  <a:solidFill>
+                    <a:schemeClr val="bg1"/>
+                  </a:solidFill>
+                </a:rPr>
+                <a:t>of contiguous US showing LOI</a:t>
+              </a:r>
+              <a:endParaRPr lang="en-US" sz="1400" dirty="0">
+                <a:solidFill>
+                  <a:schemeClr val="bg1"/>
+                </a:solidFill>
+              </a:endParaRPr>
+            </a:p>
+          </p:txBody>
+        </p:sp>
+        <p:sp>
+          <p:nvSpPr>
+            <p:cNvPr id="12" name="TextBox 11"/>
+            <p:cNvSpPr txBox="1"/>
+            <p:nvPr/>
+          </p:nvSpPr>
+          <p:spPr>
+            <a:xfrm>
+              <a:off x="8131831" y="4820452"/>
+              <a:ext cx="2631058" cy="738664"/>
+            </a:xfrm>
+            <a:prstGeom prst="rect">
+              <a:avLst/>
+            </a:prstGeom>
+            <a:solidFill>
+              <a:schemeClr val="accent1">
+                <a:lumMod val="75000"/>
+              </a:schemeClr>
+            </a:solidFill>
+          </p:spPr>
+          <p:txBody>
+            <a:bodyPr wrap="square" rtlCol="0">
+              <a:spAutoFit/>
+            </a:bodyPr>
+            <a:lstStyle/>
+            <a:p>
+              <a:pPr lvl="0"/>
+              <a:r>
+                <a:rPr lang="en-US" sz="1400" dirty="0" smtClean="0">
+                  <a:solidFill>
+                    <a:schemeClr val="bg1"/>
+                  </a:solidFill>
+                </a:rPr>
+                <a:t>Select </a:t>
+              </a:r>
+              <a:r>
+                <a:rPr lang="en-US" sz="1400" dirty="0">
+                  <a:solidFill>
+                    <a:schemeClr val="bg1"/>
+                  </a:solidFill>
+                </a:rPr>
+                <a:t>the rainfall at the closest location to LOI as the rainfall at LOI</a:t>
+              </a:r>
+              <a:endParaRPr lang="en-US" sz="1400" dirty="0">
+                <a:solidFill>
+                  <a:schemeClr val="bg1"/>
+                </a:solidFill>
+              </a:endParaRPr>
+            </a:p>
+          </p:txBody>
+        </p:sp>
+        <p:sp>
+          <p:nvSpPr>
+            <p:cNvPr id="13" name="TextBox 12"/>
+            <p:cNvSpPr txBox="1"/>
+            <p:nvPr/>
+          </p:nvSpPr>
+          <p:spPr>
+            <a:xfrm>
+              <a:off x="4284450" y="3184950"/>
+              <a:ext cx="2631058" cy="523220"/>
+            </a:xfrm>
+            <a:prstGeom prst="rect">
+              <a:avLst/>
+            </a:prstGeom>
+            <a:solidFill>
+              <a:schemeClr val="accent1">
+                <a:lumMod val="75000"/>
+              </a:schemeClr>
+            </a:solidFill>
+          </p:spPr>
+          <p:txBody>
+            <a:bodyPr wrap="square" rtlCol="0">
+              <a:spAutoFit/>
+            </a:bodyPr>
+            <a:lstStyle/>
+            <a:p>
+              <a:pPr lvl="0"/>
+              <a:r>
+                <a:rPr lang="en-US" sz="1400" dirty="0" smtClean="0">
+                  <a:solidFill>
+                    <a:schemeClr val="bg1"/>
+                  </a:solidFill>
+                </a:rPr>
+                <a:t>Open the new map in python and explore its metadata</a:t>
+              </a:r>
+              <a:endParaRPr lang="en-US" sz="1400" dirty="0">
+                <a:solidFill>
+                  <a:schemeClr val="bg1"/>
+                </a:solidFill>
+              </a:endParaRPr>
+            </a:p>
+          </p:txBody>
+        </p:sp>
+        <p:sp>
+          <p:nvSpPr>
+            <p:cNvPr id="14" name="Down Arrow 13"/>
+            <p:cNvSpPr/>
+            <p:nvPr/>
+          </p:nvSpPr>
+          <p:spPr>
+            <a:xfrm>
+              <a:off x="1820174" y="1226490"/>
+              <a:ext cx="182880" cy="383311"/>
+            </a:xfrm>
+            <a:prstGeom prst="downArrow">
+              <a:avLst/>
+            </a:prstGeom>
+            <a:solidFill>
+              <a:schemeClr val="accent1">
+                <a:lumMod val="20000"/>
+                <a:lumOff val="80000"/>
+              </a:schemeClr>
+            </a:solidFill>
+            <a:ln>
+              <a:solidFill>
+                <a:schemeClr val="tx1"/>
+              </a:solidFill>
+            </a:ln>
+          </p:spPr>
+          <p:style>
+            <a:lnRef idx="2">
+              <a:schemeClr val="accent1">
+                <a:shade val="50000"/>
+              </a:schemeClr>
+            </a:lnRef>
+            <a:fillRef idx="1">
+              <a:schemeClr val="accent1"/>
+            </a:fillRef>
+            <a:effectRef idx="0">
+              <a:schemeClr val="accent1"/>
+            </a:effectRef>
+            <a:fontRef idx="minor">
+              <a:schemeClr val="lt1"/>
+            </a:fontRef>
+          </p:style>
+          <p:txBody>
+            <a:bodyPr rtlCol="0" anchor="ctr"/>
+            <a:lstStyle/>
+            <a:p>
+              <a:pPr algn="ctr"/>
+              <a:endParaRPr lang="en-US"/>
+            </a:p>
+          </p:txBody>
+        </p:sp>
+        <p:sp>
+          <p:nvSpPr>
+            <p:cNvPr id="15" name="Down Arrow 14"/>
+            <p:cNvSpPr/>
+            <p:nvPr/>
+          </p:nvSpPr>
+          <p:spPr>
+            <a:xfrm>
+              <a:off x="1828800" y="2354448"/>
+              <a:ext cx="182880" cy="431429"/>
+            </a:xfrm>
+            <a:prstGeom prst="downArrow">
+              <a:avLst/>
+            </a:prstGeom>
+            <a:solidFill>
+              <a:schemeClr val="accent1">
+                <a:lumMod val="20000"/>
+                <a:lumOff val="80000"/>
+              </a:schemeClr>
+            </a:solidFill>
+            <a:ln>
+              <a:solidFill>
+                <a:schemeClr val="tx1"/>
+              </a:solidFill>
+            </a:ln>
+          </p:spPr>
+          <p:style>
+            <a:lnRef idx="2">
+              <a:schemeClr val="accent1">
+                <a:shade val="50000"/>
+              </a:schemeClr>
+            </a:lnRef>
+            <a:fillRef idx="1">
+              <a:schemeClr val="accent1"/>
+            </a:fillRef>
+            <a:effectRef idx="0">
+              <a:schemeClr val="accent1"/>
+            </a:effectRef>
+            <a:fontRef idx="minor">
+              <a:schemeClr val="lt1"/>
+            </a:fontRef>
+          </p:style>
+          <p:txBody>
+            <a:bodyPr rtlCol="0" anchor="ctr"/>
+            <a:lstStyle/>
+            <a:p>
+              <a:pPr algn="ctr"/>
+              <a:endParaRPr lang="en-US"/>
+            </a:p>
+          </p:txBody>
+        </p:sp>
+        <p:sp>
+          <p:nvSpPr>
+            <p:cNvPr id="16" name="Down Arrow 15"/>
+            <p:cNvSpPr/>
+            <p:nvPr/>
+          </p:nvSpPr>
+          <p:spPr>
+            <a:xfrm>
+              <a:off x="1841737" y="3744644"/>
+              <a:ext cx="182880" cy="640261"/>
+            </a:xfrm>
+            <a:prstGeom prst="downArrow">
+              <a:avLst/>
+            </a:prstGeom>
+            <a:solidFill>
+              <a:schemeClr val="accent1">
+                <a:lumMod val="20000"/>
+                <a:lumOff val="80000"/>
+              </a:schemeClr>
+            </a:solidFill>
+            <a:ln w="12700">
+              <a:solidFill>
+                <a:schemeClr val="tx1"/>
+              </a:solidFill>
+            </a:ln>
+          </p:spPr>
+          <p:style>
+            <a:lnRef idx="2">
+              <a:schemeClr val="accent1">
+                <a:shade val="50000"/>
+              </a:schemeClr>
+            </a:lnRef>
+            <a:fillRef idx="1">
+              <a:schemeClr val="accent1"/>
+            </a:fillRef>
+            <a:effectRef idx="0">
+              <a:schemeClr val="accent1"/>
+            </a:effectRef>
+            <a:fontRef idx="minor">
+              <a:schemeClr val="lt1"/>
+            </a:fontRef>
+          </p:style>
+          <p:txBody>
+            <a:bodyPr rtlCol="0" anchor="ctr"/>
+            <a:lstStyle/>
+            <a:p>
+              <a:pPr algn="ctr"/>
+              <a:endParaRPr lang="en-US"/>
+            </a:p>
+          </p:txBody>
+        </p:sp>
+        <p:sp>
+          <p:nvSpPr>
+            <p:cNvPr id="22" name="Down Arrow 21"/>
+            <p:cNvSpPr/>
+            <p:nvPr/>
+          </p:nvSpPr>
+          <p:spPr>
+            <a:xfrm rot="5400000" flipV="1">
+              <a:off x="3711369" y="4462159"/>
+              <a:ext cx="182880" cy="963281"/>
+            </a:xfrm>
+            <a:prstGeom prst="downArrow">
+              <a:avLst/>
+            </a:prstGeom>
+            <a:solidFill>
+              <a:schemeClr val="accent1">
+                <a:lumMod val="20000"/>
+                <a:lumOff val="80000"/>
+              </a:schemeClr>
+            </a:solidFill>
+            <a:ln>
+              <a:solidFill>
+                <a:schemeClr val="tx1"/>
+              </a:solidFill>
+            </a:ln>
+          </p:spPr>
+          <p:style>
+            <a:lnRef idx="2">
+              <a:schemeClr val="accent1">
+                <a:shade val="50000"/>
+              </a:schemeClr>
+            </a:lnRef>
+            <a:fillRef idx="1">
+              <a:schemeClr val="accent1"/>
+            </a:fillRef>
+            <a:effectRef idx="0">
+              <a:schemeClr val="accent1"/>
+            </a:effectRef>
+            <a:fontRef idx="minor">
+              <a:schemeClr val="lt1"/>
+            </a:fontRef>
+          </p:style>
+          <p:txBody>
+            <a:bodyPr rtlCol="0" anchor="ctr"/>
+            <a:lstStyle/>
+            <a:p>
+              <a:pPr algn="ctr"/>
+              <a:endParaRPr lang="en-US"/>
+            </a:p>
+          </p:txBody>
+        </p:sp>
+        <p:sp>
+          <p:nvSpPr>
+            <p:cNvPr id="24" name="Down Arrow 23"/>
+            <p:cNvSpPr/>
+            <p:nvPr/>
+          </p:nvSpPr>
+          <p:spPr>
+            <a:xfrm flipV="1">
+              <a:off x="5411059" y="3708170"/>
+              <a:ext cx="182880" cy="676735"/>
+            </a:xfrm>
+            <a:prstGeom prst="downArrow">
+              <a:avLst/>
+            </a:prstGeom>
+            <a:solidFill>
+              <a:schemeClr val="accent1">
+                <a:lumMod val="20000"/>
+                <a:lumOff val="80000"/>
+              </a:schemeClr>
+            </a:solidFill>
+            <a:ln w="12700">
+              <a:solidFill>
+                <a:schemeClr val="tx1"/>
+              </a:solidFill>
+            </a:ln>
+          </p:spPr>
+          <p:style>
+            <a:lnRef idx="2">
+              <a:schemeClr val="accent1">
+                <a:shade val="50000"/>
+              </a:schemeClr>
+            </a:lnRef>
+            <a:fillRef idx="1">
+              <a:schemeClr val="accent1"/>
+            </a:fillRef>
+            <a:effectRef idx="0">
+              <a:schemeClr val="accent1"/>
+            </a:effectRef>
+            <a:fontRef idx="minor">
+              <a:schemeClr val="lt1"/>
+            </a:fontRef>
+          </p:style>
+          <p:txBody>
+            <a:bodyPr rtlCol="0" anchor="ctr"/>
+            <a:lstStyle/>
+            <a:p>
+              <a:pPr algn="ctr"/>
+              <a:endParaRPr lang="en-US"/>
+            </a:p>
+          </p:txBody>
+        </p:sp>
+        <p:sp>
+          <p:nvSpPr>
+            <p:cNvPr id="25" name="Down Arrow 24"/>
+            <p:cNvSpPr>
+              <a:spLocks noChangeAspect="1"/>
+            </p:cNvSpPr>
+            <p:nvPr/>
+          </p:nvSpPr>
+          <p:spPr>
+            <a:xfrm flipV="1">
+              <a:off x="5411059" y="2640544"/>
+              <a:ext cx="182880" cy="539746"/>
+            </a:xfrm>
+            <a:prstGeom prst="downArrow">
+              <a:avLst/>
+            </a:prstGeom>
+            <a:solidFill>
+              <a:schemeClr val="accent1">
+                <a:lumMod val="20000"/>
+                <a:lumOff val="80000"/>
+              </a:schemeClr>
+            </a:solidFill>
+            <a:ln w="12700">
+              <a:solidFill>
+                <a:schemeClr val="tx1"/>
+              </a:solidFill>
+            </a:ln>
+          </p:spPr>
+          <p:style>
+            <a:lnRef idx="2">
+              <a:schemeClr val="accent1">
+                <a:shade val="50000"/>
+              </a:schemeClr>
+            </a:lnRef>
+            <a:fillRef idx="1">
+              <a:schemeClr val="accent1"/>
+            </a:fillRef>
+            <a:effectRef idx="0">
+              <a:schemeClr val="accent1"/>
+            </a:effectRef>
+            <a:fontRef idx="minor">
+              <a:schemeClr val="lt1"/>
+            </a:fontRef>
+          </p:style>
+          <p:txBody>
+            <a:bodyPr rtlCol="0" anchor="ctr"/>
+            <a:lstStyle/>
+            <a:p>
+              <a:pPr algn="ctr"/>
+              <a:endParaRPr lang="en-US"/>
+            </a:p>
+          </p:txBody>
+        </p:sp>
+        <p:sp>
+          <p:nvSpPr>
+            <p:cNvPr id="26" name="Down Arrow 25"/>
+            <p:cNvSpPr>
+              <a:spLocks/>
+            </p:cNvSpPr>
+            <p:nvPr/>
+          </p:nvSpPr>
+          <p:spPr>
+            <a:xfrm flipV="1">
+              <a:off x="5411059" y="1446594"/>
+              <a:ext cx="182880" cy="235184"/>
+            </a:xfrm>
+            <a:prstGeom prst="downArrow">
+              <a:avLst/>
+            </a:prstGeom>
+            <a:solidFill>
+              <a:schemeClr val="accent1">
+                <a:lumMod val="20000"/>
+                <a:lumOff val="80000"/>
+              </a:schemeClr>
+            </a:solidFill>
+            <a:ln w="12700">
+              <a:solidFill>
+                <a:schemeClr val="tx1"/>
+              </a:solidFill>
+            </a:ln>
+          </p:spPr>
+          <p:style>
+            <a:lnRef idx="2">
+              <a:schemeClr val="accent1">
+                <a:shade val="50000"/>
+              </a:schemeClr>
+            </a:lnRef>
+            <a:fillRef idx="1">
+              <a:schemeClr val="accent1"/>
+            </a:fillRef>
+            <a:effectRef idx="0">
+              <a:schemeClr val="accent1"/>
+            </a:effectRef>
+            <a:fontRef idx="minor">
+              <a:schemeClr val="lt1"/>
+            </a:fontRef>
+          </p:style>
+          <p:txBody>
+            <a:bodyPr rtlCol="0" anchor="ctr"/>
+            <a:lstStyle/>
+            <a:p>
+              <a:pPr algn="ctr"/>
+              <a:endParaRPr lang="en-US"/>
+            </a:p>
+          </p:txBody>
+        </p:sp>
+        <p:sp>
+          <p:nvSpPr>
+            <p:cNvPr id="27" name="Down Arrow 26"/>
+            <p:cNvSpPr/>
+            <p:nvPr/>
+          </p:nvSpPr>
+          <p:spPr>
+            <a:xfrm rot="5400000" flipV="1">
+              <a:off x="7432230" y="442432"/>
+              <a:ext cx="182881" cy="1216324"/>
+            </a:xfrm>
+            <a:prstGeom prst="downArrow">
+              <a:avLst/>
+            </a:prstGeom>
+            <a:solidFill>
+              <a:schemeClr val="accent1">
+                <a:lumMod val="20000"/>
+                <a:lumOff val="80000"/>
+              </a:schemeClr>
+            </a:solidFill>
+            <a:ln>
+              <a:solidFill>
+                <a:schemeClr val="tx1"/>
+              </a:solidFill>
+            </a:ln>
+          </p:spPr>
+          <p:style>
+            <a:lnRef idx="2">
+              <a:schemeClr val="accent1">
+                <a:shade val="50000"/>
+              </a:schemeClr>
+            </a:lnRef>
+            <a:fillRef idx="1">
+              <a:schemeClr val="accent1"/>
+            </a:fillRef>
+            <a:effectRef idx="0">
+              <a:schemeClr val="accent1"/>
+            </a:effectRef>
+            <a:fontRef idx="minor">
+              <a:schemeClr val="lt1"/>
+            </a:fontRef>
+          </p:style>
+          <p:txBody>
+            <a:bodyPr rtlCol="0" anchor="ctr"/>
+            <a:lstStyle/>
+            <a:p>
+              <a:pPr algn="ctr"/>
+              <a:endParaRPr lang="en-US"/>
+            </a:p>
+          </p:txBody>
+        </p:sp>
+        <p:sp>
+          <p:nvSpPr>
+            <p:cNvPr id="28" name="Down Arrow 27"/>
+            <p:cNvSpPr/>
+            <p:nvPr/>
+          </p:nvSpPr>
+          <p:spPr>
+            <a:xfrm>
+              <a:off x="9264480" y="1446594"/>
+              <a:ext cx="182880" cy="716898"/>
+            </a:xfrm>
+            <a:prstGeom prst="downArrow">
+              <a:avLst/>
+            </a:prstGeom>
+            <a:solidFill>
+              <a:schemeClr val="accent1">
+                <a:lumMod val="20000"/>
+                <a:lumOff val="80000"/>
+              </a:schemeClr>
+            </a:solidFill>
+            <a:ln w="12700">
+              <a:solidFill>
+                <a:schemeClr val="tx1"/>
+              </a:solidFill>
+            </a:ln>
+          </p:spPr>
+          <p:style>
+            <a:lnRef idx="2">
+              <a:schemeClr val="accent1">
+                <a:shade val="50000"/>
+              </a:schemeClr>
+            </a:lnRef>
+            <a:fillRef idx="1">
+              <a:schemeClr val="accent1"/>
+            </a:fillRef>
+            <a:effectRef idx="0">
+              <a:schemeClr val="accent1"/>
+            </a:effectRef>
+            <a:fontRef idx="minor">
+              <a:schemeClr val="lt1"/>
+            </a:fontRef>
+          </p:style>
+          <p:txBody>
+            <a:bodyPr rtlCol="0" anchor="ctr"/>
+            <a:lstStyle/>
+            <a:p>
+              <a:pPr algn="ctr"/>
+              <a:endParaRPr lang="en-US"/>
+            </a:p>
+          </p:txBody>
+        </p:sp>
+        <p:sp>
+          <p:nvSpPr>
+            <p:cNvPr id="29" name="Down Arrow 28"/>
+            <p:cNvSpPr/>
+            <p:nvPr/>
+          </p:nvSpPr>
+          <p:spPr>
+            <a:xfrm>
+              <a:off x="9264480" y="3325830"/>
+              <a:ext cx="182880" cy="535855"/>
+            </a:xfrm>
+            <a:prstGeom prst="downArrow">
+              <a:avLst/>
+            </a:prstGeom>
+            <a:solidFill>
+              <a:schemeClr val="accent1">
+                <a:lumMod val="20000"/>
+                <a:lumOff val="80000"/>
+              </a:schemeClr>
+            </a:solidFill>
+            <a:ln w="12700">
+              <a:solidFill>
+                <a:schemeClr val="tx1"/>
+              </a:solidFill>
+            </a:ln>
+          </p:spPr>
+          <p:style>
+            <a:lnRef idx="2">
+              <a:schemeClr val="accent1">
+                <a:shade val="50000"/>
+              </a:schemeClr>
+            </a:lnRef>
+            <a:fillRef idx="1">
+              <a:schemeClr val="accent1"/>
+            </a:fillRef>
+            <a:effectRef idx="0">
+              <a:schemeClr val="accent1"/>
+            </a:effectRef>
+            <a:fontRef idx="minor">
+              <a:schemeClr val="lt1"/>
+            </a:fontRef>
+          </p:style>
+          <p:txBody>
+            <a:bodyPr rtlCol="0" anchor="ctr"/>
+            <a:lstStyle/>
+            <a:p>
+              <a:pPr algn="ctr"/>
+              <a:endParaRPr lang="en-US"/>
+            </a:p>
+          </p:txBody>
+        </p:sp>
+        <p:sp>
+          <p:nvSpPr>
+            <p:cNvPr id="30" name="Down Arrow 29"/>
+            <p:cNvSpPr/>
+            <p:nvPr/>
+          </p:nvSpPr>
+          <p:spPr>
+            <a:xfrm>
+              <a:off x="9257325" y="4383374"/>
+              <a:ext cx="182880" cy="437078"/>
+            </a:xfrm>
+            <a:prstGeom prst="downArrow">
+              <a:avLst/>
+            </a:prstGeom>
+            <a:solidFill>
+              <a:schemeClr val="accent1">
+                <a:lumMod val="20000"/>
+                <a:lumOff val="80000"/>
+              </a:schemeClr>
+            </a:solidFill>
+            <a:ln w="12700">
+              <a:solidFill>
+                <a:schemeClr val="tx1"/>
+              </a:solidFill>
+            </a:ln>
+          </p:spPr>
+          <p:style>
+            <a:lnRef idx="2">
+              <a:schemeClr val="accent1">
+                <a:shade val="50000"/>
+              </a:schemeClr>
+            </a:lnRef>
+            <a:fillRef idx="1">
+              <a:schemeClr val="accent1"/>
+            </a:fillRef>
+            <a:effectRef idx="0">
+              <a:schemeClr val="accent1"/>
+            </a:effectRef>
+            <a:fontRef idx="minor">
+              <a:schemeClr val="lt1"/>
+            </a:fontRef>
+          </p:style>
+          <p:txBody>
+            <a:bodyPr rtlCol="0" anchor="ctr"/>
+            <a:lstStyle/>
+            <a:p>
+              <a:pPr algn="ctr"/>
+              <a:endParaRPr lang="en-US"/>
+            </a:p>
+          </p:txBody>
+        </p:sp>
+      </p:grpSp>
+    </p:spTree>
+    <p:extLst>
+      <p:ext uri="{BB962C8B-B14F-4D97-AF65-F5344CB8AC3E}">
+        <p14:creationId xmlns:p14="http://schemas.microsoft.com/office/powerpoint/2010/main" val="4145328881"/>
+      </p:ext>
+    </p:extLst>
+  </p:cSld>
+  <p:clrMapOvr>
+    <a:masterClrMapping/>
+  </p:clrMapOvr>
+</p:sld>
+</file>
+
+<file path=ppt/slides/slide2.xml><?xml version="1.0" encoding="utf-8"?>
+<p:sld xmlns:a="http://schemas.openxmlformats.org/drawingml/2006/main" xmlns:r="http://schemas.openxmlformats.org/officeDocument/2006/relationships" xmlns:p="http://schemas.openxmlformats.org/presentationml/2006/main">
+  <p:cSld>
+    <p:spTree>
+      <p:nvGrpSpPr>
+        <p:cNvPr id="1" name=""/>
+        <p:cNvGrpSpPr/>
+        <p:nvPr/>
+      </p:nvGrpSpPr>
+      <p:grpSpPr>
+        <a:xfrm>
+          <a:off x="0" y="0"/>
+          <a:ext cx="0" cy="0"/>
+          <a:chOff x="0" y="0"/>
+          <a:chExt cx="0" cy="0"/>
+        </a:xfrm>
+      </p:grpSpPr>
       <p:graphicFrame>
         <p:nvGraphicFramePr>
           <p:cNvPr id="3" name="Diagram 2"/>
@@ -7293,7 +8544,7 @@
           <p:nvPr>
             <p:extLst>
               <p:ext uri="{D42A27DB-BD31-4B8C-83A1-F6EECF244321}">
-                <p14:modId xmlns:p14="http://schemas.microsoft.com/office/powerpoint/2010/main" val="1690074669"/>
+                <p14:modId xmlns:p14="http://schemas.microsoft.com/office/powerpoint/2010/main" val="2785678527"/>
               </p:ext>
             </p:extLst>
           </p:nvPr>

--- a/Miscellaneous_files/Flow_chart.pptx
+++ b/Miscellaneous_files/Flow_chart.pptx
@@ -7236,9 +7236,7 @@
               <a:avLst/>
             </a:prstGeom>
             <a:solidFill>
-              <a:schemeClr val="accent1">
-                <a:lumMod val="75000"/>
-              </a:schemeClr>
+              <a:schemeClr val="bg1"/>
             </a:solidFill>
             <a:ln>
               <a:solidFill>
@@ -7254,10 +7252,9 @@
             <a:p>
               <a:pPr lvl="0"/>
               <a:r>
-                <a:rPr lang="en-US" sz="1400" b="1" u="sng" dirty="0">
-                  <a:solidFill>
-                    <a:schemeClr val="bg1"/>
-                  </a:solidFill>
+                <a:rPr lang="en-US" sz="1400" b="1" dirty="0">
+                  <a:latin typeface="Arial" panose="020B0604020202020204" pitchFamily="34" charset="0"/>
+                  <a:cs typeface="Arial" panose="020B0604020202020204" pitchFamily="34" charset="0"/>
                 </a:rPr>
                 <a:t>Required Package</a:t>
               </a:r>
@@ -7266,24 +7263,21 @@
               <a:pPr lvl="0"/>
               <a:r>
                 <a:rPr lang="en-US" sz="1400" dirty="0">
-                  <a:solidFill>
-                    <a:schemeClr val="bg1"/>
-                  </a:solidFill>
+                  <a:latin typeface="Arial" panose="020B0604020202020204" pitchFamily="34" charset="0"/>
+                  <a:cs typeface="Arial" panose="020B0604020202020204" pitchFamily="34" charset="0"/>
                 </a:rPr>
                 <a:t>Install </a:t>
               </a:r>
               <a:r>
                 <a:rPr lang="en-US" sz="1400" dirty="0" smtClean="0">
-                  <a:solidFill>
-                    <a:schemeClr val="bg1"/>
-                  </a:solidFill>
+                  <a:latin typeface="Arial" panose="020B0604020202020204" pitchFamily="34" charset="0"/>
+                  <a:cs typeface="Arial" panose="020B0604020202020204" pitchFamily="34" charset="0"/>
                 </a:rPr>
                 <a:t>rasterio module</a:t>
               </a:r>
               <a:endParaRPr lang="en-US" sz="1400" dirty="0">
-                <a:solidFill>
-                  <a:schemeClr val="bg1"/>
-                </a:solidFill>
+                <a:latin typeface="Arial" panose="020B0604020202020204" pitchFamily="34" charset="0"/>
+                <a:cs typeface="Arial" panose="020B0604020202020204" pitchFamily="34" charset="0"/>
               </a:endParaRPr>
             </a:p>
           </p:txBody>
@@ -7303,10 +7297,13 @@
               <a:avLst/>
             </a:prstGeom>
             <a:solidFill>
-              <a:schemeClr val="accent1">
-                <a:lumMod val="75000"/>
-              </a:schemeClr>
+              <a:schemeClr val="bg1"/>
             </a:solidFill>
+            <a:ln>
+              <a:solidFill>
+                <a:schemeClr val="tx1"/>
+              </a:solidFill>
+            </a:ln>
           </p:spPr>
           <p:txBody>
             <a:bodyPr wrap="square" rtlCol="0">
@@ -7316,65 +7313,60 @@
             <a:p>
               <a:pPr lvl="0"/>
               <a:r>
-                <a:rPr lang="en-US" sz="1400" b="1" u="sng" dirty="0" smtClean="0">
-                  <a:solidFill>
-                    <a:schemeClr val="bg1"/>
-                  </a:solidFill>
+                <a:rPr lang="en-US" sz="1400" b="1" dirty="0" smtClean="0">
+                  <a:latin typeface="Arial" panose="020B0604020202020204" pitchFamily="34" charset="0"/>
+                  <a:cs typeface="Arial" panose="020B0604020202020204" pitchFamily="34" charset="0"/>
                 </a:rPr>
                 <a:t>Imported </a:t>
               </a:r>
               <a:r>
-                <a:rPr lang="en-US" sz="1400" b="1" u="sng" dirty="0">
-                  <a:solidFill>
-                    <a:schemeClr val="bg1"/>
-                  </a:solidFill>
+                <a:rPr lang="en-US" sz="1400" b="1" dirty="0">
+                  <a:latin typeface="Arial" panose="020B0604020202020204" pitchFamily="34" charset="0"/>
+                  <a:cs typeface="Arial" panose="020B0604020202020204" pitchFamily="34" charset="0"/>
                 </a:rPr>
                 <a:t>modules</a:t>
               </a:r>
-              <a:endParaRPr lang="en-US" sz="1400" b="1" dirty="0">
-                <a:solidFill>
-                  <a:schemeClr val="bg1"/>
-                </a:solidFill>
-              </a:endParaRPr>
             </a:p>
             <a:p>
               <a:pPr lvl="0"/>
               <a:r>
                 <a:rPr lang="en-US" sz="1400" dirty="0" smtClean="0">
-                  <a:solidFill>
-                    <a:schemeClr val="bg1"/>
-                  </a:solidFill>
+                  <a:latin typeface="Arial" panose="020B0604020202020204" pitchFamily="34" charset="0"/>
+                  <a:cs typeface="Arial" panose="020B0604020202020204" pitchFamily="34" charset="0"/>
                 </a:rPr>
                 <a:t>rasterio</a:t>
               </a:r>
               <a:r>
                 <a:rPr lang="en-US" sz="1400" dirty="0">
-                  <a:solidFill>
-                    <a:schemeClr val="bg1"/>
-                  </a:solidFill>
+                  <a:latin typeface="Arial" panose="020B0604020202020204" pitchFamily="34" charset="0"/>
+                  <a:cs typeface="Arial" panose="020B0604020202020204" pitchFamily="34" charset="0"/>
                 </a:rPr>
                 <a:t>, </a:t>
               </a:r>
               <a:r>
                 <a:rPr lang="en-US" sz="1400" dirty="0" smtClean="0">
-                  <a:solidFill>
-                    <a:schemeClr val="bg1"/>
-                  </a:solidFill>
+                  <a:latin typeface="Arial" panose="020B0604020202020204" pitchFamily="34" charset="0"/>
+                  <a:cs typeface="Arial" panose="020B0604020202020204" pitchFamily="34" charset="0"/>
                 </a:rPr>
                 <a:t>glob, numpy</a:t>
               </a:r>
               <a:r>
                 <a:rPr lang="en-US" sz="1400" dirty="0">
-                  <a:solidFill>
-                    <a:schemeClr val="bg1"/>
-                  </a:solidFill>
+                  <a:latin typeface="Arial" panose="020B0604020202020204" pitchFamily="34" charset="0"/>
+                  <a:cs typeface="Arial" panose="020B0604020202020204" pitchFamily="34" charset="0"/>
                 </a:rPr>
-                <a:t>, math, and matplotlib</a:t>
+                <a:t>, math, and </a:t>
+              </a:r>
+              <a:r>
+                <a:rPr lang="en-US" sz="1400" dirty="0" smtClean="0">
+                  <a:latin typeface="Arial" panose="020B0604020202020204" pitchFamily="34" charset="0"/>
+                  <a:cs typeface="Arial" panose="020B0604020202020204" pitchFamily="34" charset="0"/>
+                </a:rPr>
+                <a:t>matplotlib</a:t>
               </a:r>
               <a:endParaRPr lang="en-US" sz="1400" dirty="0">
-                <a:solidFill>
-                  <a:schemeClr val="bg1"/>
-                </a:solidFill>
+                <a:latin typeface="Arial" panose="020B0604020202020204" pitchFamily="34" charset="0"/>
+                <a:cs typeface="Arial" panose="020B0604020202020204" pitchFamily="34" charset="0"/>
               </a:endParaRPr>
             </a:p>
           </p:txBody>
@@ -7388,16 +7380,19 @@
           <p:spPr>
             <a:xfrm>
               <a:off x="690111" y="2790537"/>
-              <a:ext cx="2631058" cy="954107"/>
+              <a:ext cx="2665564" cy="1169551"/>
             </a:xfrm>
             <a:prstGeom prst="rect">
               <a:avLst/>
             </a:prstGeom>
             <a:solidFill>
-              <a:schemeClr val="accent1">
-                <a:lumMod val="75000"/>
-              </a:schemeClr>
+              <a:schemeClr val="bg1"/>
             </a:solidFill>
+            <a:ln>
+              <a:solidFill>
+                <a:schemeClr val="tx1"/>
+              </a:solidFill>
+            </a:ln>
           </p:spPr>
           <p:txBody>
             <a:bodyPr wrap="square" rtlCol="0">
@@ -7407,21 +7402,26 @@
             <a:p>
               <a:pPr lvl="0"/>
               <a:r>
-                <a:rPr lang="en-US" sz="1400" b="1" u="sng" dirty="0">
-                  <a:solidFill>
-                    <a:schemeClr val="bg1"/>
-                  </a:solidFill>
+                <a:rPr lang="en-US" sz="1400" b="1" dirty="0" smtClean="0">
+                  <a:latin typeface="Arial" panose="020B0604020202020204" pitchFamily="34" charset="0"/>
+                  <a:cs typeface="Arial" panose="020B0604020202020204" pitchFamily="34" charset="0"/>
                 </a:rPr>
-                <a:t>User inputs</a:t>
+                <a:t>User </a:t>
+              </a:r>
+              <a:r>
+                <a:rPr lang="en-US" sz="1400" b="1" dirty="0">
+                  <a:latin typeface="Arial" panose="020B0604020202020204" pitchFamily="34" charset="0"/>
+                  <a:cs typeface="Arial" panose="020B0604020202020204" pitchFamily="34" charset="0"/>
+                </a:rPr>
+                <a:t>inputs</a:t>
               </a:r>
             </a:p>
             <a:p>
               <a:pPr lvl="0"/>
               <a:r>
                 <a:rPr lang="en-US" sz="1400" dirty="0">
-                  <a:solidFill>
-                    <a:schemeClr val="bg1"/>
-                  </a:solidFill>
+                  <a:latin typeface="Arial" panose="020B0604020202020204" pitchFamily="34" charset="0"/>
+                  <a:cs typeface="Arial" panose="020B0604020202020204" pitchFamily="34" charset="0"/>
                 </a:rPr>
                 <a:t>Name of location of interest (LOI)</a:t>
               </a:r>
@@ -7430,9 +7430,8 @@
               <a:pPr lvl="0"/>
               <a:r>
                 <a:rPr lang="en-US" sz="1400" dirty="0">
-                  <a:solidFill>
-                    <a:schemeClr val="bg1"/>
-                  </a:solidFill>
+                  <a:latin typeface="Arial" panose="020B0604020202020204" pitchFamily="34" charset="0"/>
+                  <a:cs typeface="Arial" panose="020B0604020202020204" pitchFamily="34" charset="0"/>
                 </a:rPr>
                 <a:t>Latitude of LOI</a:t>
               </a:r>
@@ -7441,16 +7440,21 @@
               <a:pPr lvl="0"/>
               <a:r>
                 <a:rPr lang="en-US" sz="1400" dirty="0">
-                  <a:solidFill>
-                    <a:schemeClr val="bg1"/>
-                  </a:solidFill>
+                  <a:latin typeface="Arial" panose="020B0604020202020204" pitchFamily="34" charset="0"/>
+                  <a:cs typeface="Arial" panose="020B0604020202020204" pitchFamily="34" charset="0"/>
                 </a:rPr>
-                <a:t>Longitude of LOI</a:t>
+                <a:t>Longitude of </a:t>
+              </a:r>
+              <a:r>
+                <a:rPr lang="en-US" sz="1400" dirty="0" smtClean="0">
+                  <a:latin typeface="Arial" panose="020B0604020202020204" pitchFamily="34" charset="0"/>
+                  <a:cs typeface="Arial" panose="020B0604020202020204" pitchFamily="34" charset="0"/>
+                </a:rPr>
+                <a:t>LOI</a:t>
               </a:r>
               <a:endParaRPr lang="en-US" sz="1400" dirty="0">
-                <a:solidFill>
-                  <a:schemeClr val="bg1"/>
-                </a:solidFill>
+                <a:latin typeface="Arial" panose="020B0604020202020204" pitchFamily="34" charset="0"/>
+                <a:cs typeface="Arial" panose="020B0604020202020204" pitchFamily="34" charset="0"/>
               </a:endParaRPr>
             </a:p>
           </p:txBody>
@@ -7470,10 +7474,13 @@
               <a:avLst/>
             </a:prstGeom>
             <a:solidFill>
-              <a:schemeClr val="accent1">
-                <a:lumMod val="75000"/>
-              </a:schemeClr>
+              <a:schemeClr val="bg1"/>
             </a:solidFill>
+            <a:ln>
+              <a:solidFill>
+                <a:schemeClr val="tx1"/>
+              </a:solidFill>
+            </a:ln>
           </p:spPr>
           <p:txBody>
             <a:bodyPr wrap="square" rtlCol="0">
@@ -7484,24 +7491,21 @@
               <a:pPr lvl="0"/>
               <a:r>
                 <a:rPr lang="en-US" sz="1400" dirty="0">
-                  <a:solidFill>
-                    <a:schemeClr val="bg1"/>
-                  </a:solidFill>
+                  <a:latin typeface="Arial" panose="020B0604020202020204" pitchFamily="34" charset="0"/>
+                  <a:cs typeface="Arial" panose="020B0604020202020204" pitchFamily="34" charset="0"/>
                 </a:rPr>
                 <a:t>Open the gridded map (GeoTiff file</a:t>
               </a:r>
               <a:r>
                 <a:rPr lang="en-US" sz="1400" dirty="0" smtClean="0">
-                  <a:solidFill>
-                    <a:schemeClr val="bg1"/>
-                  </a:solidFill>
+                  <a:latin typeface="Arial" panose="020B0604020202020204" pitchFamily="34" charset="0"/>
+                  <a:cs typeface="Arial" panose="020B0604020202020204" pitchFamily="34" charset="0"/>
                 </a:rPr>
                 <a:t>) in python with rasterio and check the map’s metadata, including the coordinate reference system (CRS)</a:t>
               </a:r>
               <a:endParaRPr lang="en-US" sz="1400" dirty="0">
-                <a:solidFill>
-                  <a:schemeClr val="bg1"/>
-                </a:solidFill>
+                <a:latin typeface="Arial" panose="020B0604020202020204" pitchFamily="34" charset="0"/>
+                <a:cs typeface="Arial" panose="020B0604020202020204" pitchFamily="34" charset="0"/>
               </a:endParaRPr>
             </a:p>
           </p:txBody>
@@ -7521,10 +7525,13 @@
               <a:avLst/>
             </a:prstGeom>
             <a:solidFill>
-              <a:schemeClr val="accent1">
-                <a:lumMod val="75000"/>
-              </a:schemeClr>
+              <a:schemeClr val="bg1"/>
             </a:solidFill>
+            <a:ln>
+              <a:solidFill>
+                <a:schemeClr val="tx1"/>
+              </a:solidFill>
+            </a:ln>
           </p:spPr>
           <p:txBody>
             <a:bodyPr wrap="square" rtlCol="0">
@@ -7534,33 +7541,29 @@
             <a:p>
               <a:r>
                 <a:rPr lang="en-US" sz="1400" dirty="0" smtClean="0">
-                  <a:solidFill>
-                    <a:schemeClr val="bg1"/>
-                  </a:solidFill>
+                  <a:latin typeface="Arial" panose="020B0604020202020204" pitchFamily="34" charset="0"/>
+                  <a:cs typeface="Arial" panose="020B0604020202020204" pitchFamily="34" charset="0"/>
                 </a:rPr>
                 <a:t>Create a coordinate reference system </a:t>
               </a:r>
               <a:r>
                 <a:rPr lang="en-US" sz="1400" dirty="0">
-                  <a:solidFill>
-                    <a:schemeClr val="bg1"/>
-                  </a:solidFill>
+                  <a:latin typeface="Arial" panose="020B0604020202020204" pitchFamily="34" charset="0"/>
+                  <a:cs typeface="Arial" panose="020B0604020202020204" pitchFamily="34" charset="0"/>
                 </a:rPr>
                 <a:t>(CRS) </a:t>
               </a:r>
               <a:r>
                 <a:rPr lang="en-US" sz="1400" dirty="0" smtClean="0">
-                  <a:solidFill>
-                    <a:schemeClr val="bg1"/>
-                  </a:solidFill>
+                  <a:latin typeface="Arial" panose="020B0604020202020204" pitchFamily="34" charset="0"/>
+                  <a:cs typeface="Arial" panose="020B0604020202020204" pitchFamily="34" charset="0"/>
                 </a:rPr>
                 <a:t> conversion function and </a:t>
               </a:r>
               <a:r>
                 <a:rPr lang="en-US" sz="1400" dirty="0">
-                  <a:solidFill>
-                    <a:schemeClr val="bg1"/>
-                  </a:solidFill>
+                  <a:latin typeface="Arial" panose="020B0604020202020204" pitchFamily="34" charset="0"/>
+                  <a:cs typeface="Arial" panose="020B0604020202020204" pitchFamily="34" charset="0"/>
                 </a:rPr>
                 <a:t>Convert the CRS of the map to EPSG: 4326</a:t>
               </a:r>
@@ -7586,10 +7589,13 @@
               <a:avLst/>
             </a:prstGeom>
             <a:solidFill>
-              <a:schemeClr val="accent1">
-                <a:lumMod val="75000"/>
-              </a:schemeClr>
+              <a:schemeClr val="bg1"/>
             </a:solidFill>
+            <a:ln>
+              <a:solidFill>
+                <a:schemeClr val="tx1"/>
+              </a:solidFill>
+            </a:ln>
           </p:spPr>
           <p:txBody>
             <a:bodyPr wrap="square" rtlCol="0">
@@ -7600,24 +7606,21 @@
               <a:pPr lvl="0"/>
               <a:r>
                 <a:rPr lang="en-US" sz="1400" dirty="0">
-                  <a:solidFill>
-                    <a:schemeClr val="bg1"/>
-                  </a:solidFill>
+                  <a:latin typeface="Arial" panose="020B0604020202020204" pitchFamily="34" charset="0"/>
+                  <a:cs typeface="Arial" panose="020B0604020202020204" pitchFamily="34" charset="0"/>
                 </a:rPr>
                 <a:t>Create a 3D numpy array of NaNs and append </a:t>
               </a:r>
               <a:r>
                 <a:rPr lang="en-US" sz="1400" dirty="0" smtClean="0">
-                  <a:solidFill>
-                    <a:schemeClr val="bg1"/>
-                  </a:solidFill>
+                  <a:latin typeface="Arial" panose="020B0604020202020204" pitchFamily="34" charset="0"/>
+                  <a:cs typeface="Arial" panose="020B0604020202020204" pitchFamily="34" charset="0"/>
                 </a:rPr>
                 <a:t>the coordinates (lat. / lons.) and rainfall data from the new map</a:t>
               </a:r>
               <a:endParaRPr lang="en-US" sz="1400" dirty="0">
-                <a:solidFill>
-                  <a:schemeClr val="bg1"/>
-                </a:solidFill>
+                <a:latin typeface="Arial" panose="020B0604020202020204" pitchFamily="34" charset="0"/>
+                <a:cs typeface="Arial" panose="020B0604020202020204" pitchFamily="34" charset="0"/>
               </a:endParaRPr>
             </a:p>
           </p:txBody>
@@ -7637,10 +7640,13 @@
               <a:avLst/>
             </a:prstGeom>
             <a:solidFill>
-              <a:schemeClr val="accent1">
-                <a:lumMod val="75000"/>
-              </a:schemeClr>
+              <a:schemeClr val="bg1"/>
             </a:solidFill>
+            <a:ln>
+              <a:solidFill>
+                <a:schemeClr val="tx1"/>
+              </a:solidFill>
+            </a:ln>
           </p:spPr>
           <p:txBody>
             <a:bodyPr wrap="square" rtlCol="0">
@@ -7651,24 +7657,21 @@
               <a:pPr lvl="0"/>
               <a:r>
                 <a:rPr lang="en-US" sz="1400" dirty="0">
-                  <a:solidFill>
-                    <a:schemeClr val="bg1"/>
-                  </a:solidFill>
+                  <a:latin typeface="Arial" panose="020B0604020202020204" pitchFamily="34" charset="0"/>
+                  <a:cs typeface="Arial" panose="020B0604020202020204" pitchFamily="34" charset="0"/>
                 </a:rPr>
                 <a:t>Compute the total rainfall in each pixel in mm and set all negative rainfall values to </a:t>
               </a:r>
               <a:r>
                 <a:rPr lang="en-US" sz="1400" dirty="0" smtClean="0">
-                  <a:solidFill>
-                    <a:schemeClr val="bg1"/>
-                  </a:solidFill>
+                  <a:latin typeface="Arial" panose="020B0604020202020204" pitchFamily="34" charset="0"/>
+                  <a:cs typeface="Arial" panose="020B0604020202020204" pitchFamily="34" charset="0"/>
                 </a:rPr>
                 <a:t>NaN</a:t>
               </a:r>
               <a:endParaRPr lang="en-US" sz="1400" dirty="0">
-                <a:solidFill>
-                  <a:schemeClr val="bg1"/>
-                </a:solidFill>
+                <a:latin typeface="Arial" panose="020B0604020202020204" pitchFamily="34" charset="0"/>
+                <a:cs typeface="Arial" panose="020B0604020202020204" pitchFamily="34" charset="0"/>
               </a:endParaRPr>
             </a:p>
           </p:txBody>
@@ -7688,9 +7691,7 @@
               <a:avLst/>
             </a:prstGeom>
             <a:solidFill>
-              <a:schemeClr val="accent1">
-                <a:lumMod val="75000"/>
-              </a:schemeClr>
+              <a:schemeClr val="bg1"/>
             </a:solidFill>
             <a:ln>
               <a:solidFill>
@@ -7707,32 +7708,28 @@
               <a:pPr lvl="0"/>
               <a:r>
                 <a:rPr lang="en-US" sz="1400" dirty="0">
-                  <a:solidFill>
-                    <a:schemeClr val="bg1"/>
-                  </a:solidFill>
+                  <a:latin typeface="Arial" panose="020B0604020202020204" pitchFamily="34" charset="0"/>
+                  <a:cs typeface="Arial" panose="020B0604020202020204" pitchFamily="34" charset="0"/>
                 </a:rPr>
                 <a:t>Set all pixels </a:t>
               </a:r>
               <a:r>
                 <a:rPr lang="en-US" sz="1400" dirty="0" smtClean="0">
-                  <a:solidFill>
-                    <a:schemeClr val="bg1"/>
-                  </a:solidFill>
+                  <a:latin typeface="Arial" panose="020B0604020202020204" pitchFamily="34" charset="0"/>
+                  <a:cs typeface="Arial" panose="020B0604020202020204" pitchFamily="34" charset="0"/>
                 </a:rPr>
                 <a:t>outside the prism </a:t>
               </a:r>
               <a:r>
                 <a:rPr lang="en-US" sz="1400" dirty="0">
-                  <a:solidFill>
-                    <a:schemeClr val="bg1"/>
-                  </a:solidFill>
+                  <a:latin typeface="Arial" panose="020B0604020202020204" pitchFamily="34" charset="0"/>
+                  <a:cs typeface="Arial" panose="020B0604020202020204" pitchFamily="34" charset="0"/>
                 </a:rPr>
                 <a:t>contiguous US boundaries and equal to zero to NaN</a:t>
               </a:r>
               <a:endParaRPr lang="en-US" sz="1400" dirty="0">
-                <a:solidFill>
-                  <a:schemeClr val="bg1"/>
-                </a:solidFill>
+                <a:latin typeface="Arial" panose="020B0604020202020204" pitchFamily="34" charset="0"/>
+                <a:cs typeface="Arial" panose="020B0604020202020204" pitchFamily="34" charset="0"/>
               </a:endParaRPr>
             </a:p>
           </p:txBody>
@@ -7752,10 +7749,13 @@
               <a:avLst/>
             </a:prstGeom>
             <a:solidFill>
-              <a:schemeClr val="accent1">
-                <a:lumMod val="75000"/>
-              </a:schemeClr>
+              <a:schemeClr val="bg1"/>
             </a:solidFill>
+            <a:ln>
+              <a:solidFill>
+                <a:schemeClr val="tx1"/>
+              </a:solidFill>
+            </a:ln>
           </p:spPr>
           <p:txBody>
             <a:bodyPr wrap="square" rtlCol="0">
@@ -7766,24 +7766,21 @@
               <a:pPr lvl="0"/>
               <a:r>
                 <a:rPr lang="en-US" sz="1400" dirty="0">
-                  <a:solidFill>
-                    <a:schemeClr val="bg1"/>
-                  </a:solidFill>
+                  <a:latin typeface="Arial" panose="020B0604020202020204" pitchFamily="34" charset="0"/>
+                  <a:cs typeface="Arial" panose="020B0604020202020204" pitchFamily="34" charset="0"/>
                 </a:rPr>
                 <a:t>Create Haversine function for distance </a:t>
               </a:r>
               <a:r>
                 <a:rPr lang="en-US" sz="1400" dirty="0" smtClean="0">
-                  <a:solidFill>
-                    <a:schemeClr val="bg1"/>
-                  </a:solidFill>
+                  <a:latin typeface="Arial" panose="020B0604020202020204" pitchFamily="34" charset="0"/>
+                  <a:cs typeface="Arial" panose="020B0604020202020204" pitchFamily="34" charset="0"/>
                 </a:rPr>
                 <a:t>computation and compute the distance between LOI and each locations on the map</a:t>
               </a:r>
               <a:endParaRPr lang="en-US" sz="1400" dirty="0">
-                <a:solidFill>
-                  <a:schemeClr val="bg1"/>
-                </a:solidFill>
+                <a:latin typeface="Arial" panose="020B0604020202020204" pitchFamily="34" charset="0"/>
+                <a:cs typeface="Arial" panose="020B0604020202020204" pitchFamily="34" charset="0"/>
               </a:endParaRPr>
             </a:p>
           </p:txBody>
@@ -7803,10 +7800,13 @@
               <a:avLst/>
             </a:prstGeom>
             <a:solidFill>
-              <a:schemeClr val="accent1">
-                <a:lumMod val="75000"/>
-              </a:schemeClr>
+              <a:schemeClr val="bg1"/>
             </a:solidFill>
+            <a:ln>
+              <a:solidFill>
+                <a:schemeClr val="tx1"/>
+              </a:solidFill>
+            </a:ln>
           </p:spPr>
           <p:txBody>
             <a:bodyPr wrap="square" rtlCol="0">
@@ -7817,32 +7817,28 @@
               <a:pPr lvl="0"/>
               <a:r>
                 <a:rPr lang="en-US" sz="1400" dirty="0">
-                  <a:solidFill>
-                    <a:schemeClr val="bg1"/>
-                  </a:solidFill>
+                  <a:latin typeface="Arial" panose="020B0604020202020204" pitchFamily="34" charset="0"/>
+                  <a:cs typeface="Arial" panose="020B0604020202020204" pitchFamily="34" charset="0"/>
                 </a:rPr>
                 <a:t>Plot a </a:t>
               </a:r>
               <a:r>
                 <a:rPr lang="en-US" sz="1400" dirty="0" smtClean="0">
-                  <a:solidFill>
-                    <a:schemeClr val="bg1"/>
-                  </a:solidFill>
+                  <a:latin typeface="Arial" panose="020B0604020202020204" pitchFamily="34" charset="0"/>
+                  <a:cs typeface="Arial" panose="020B0604020202020204" pitchFamily="34" charset="0"/>
                 </a:rPr>
                 <a:t>rainfall map </a:t>
               </a:r>
               <a:r>
                 <a:rPr lang="en-US" sz="1400" dirty="0">
-                  <a:solidFill>
-                    <a:schemeClr val="bg1"/>
-                  </a:solidFill>
+                  <a:latin typeface="Arial" panose="020B0604020202020204" pitchFamily="34" charset="0"/>
+                  <a:cs typeface="Arial" panose="020B0604020202020204" pitchFamily="34" charset="0"/>
                 </a:rPr>
                 <a:t>of contiguous US showing LOI</a:t>
               </a:r>
               <a:endParaRPr lang="en-US" sz="1400" dirty="0">
-                <a:solidFill>
-                  <a:schemeClr val="bg1"/>
-                </a:solidFill>
+                <a:latin typeface="Arial" panose="020B0604020202020204" pitchFamily="34" charset="0"/>
+                <a:cs typeface="Arial" panose="020B0604020202020204" pitchFamily="34" charset="0"/>
               </a:endParaRPr>
             </a:p>
           </p:txBody>
@@ -7862,10 +7858,13 @@
               <a:avLst/>
             </a:prstGeom>
             <a:solidFill>
-              <a:schemeClr val="accent1">
-                <a:lumMod val="75000"/>
-              </a:schemeClr>
+              <a:schemeClr val="bg1"/>
             </a:solidFill>
+            <a:ln>
+              <a:solidFill>
+                <a:schemeClr val="tx1"/>
+              </a:solidFill>
+            </a:ln>
           </p:spPr>
           <p:txBody>
             <a:bodyPr wrap="square" rtlCol="0">
@@ -7876,24 +7875,21 @@
               <a:pPr lvl="0"/>
               <a:r>
                 <a:rPr lang="en-US" sz="1400" dirty="0" smtClean="0">
-                  <a:solidFill>
-                    <a:schemeClr val="bg1"/>
-                  </a:solidFill>
+                  <a:latin typeface="Arial" panose="020B0604020202020204" pitchFamily="34" charset="0"/>
+                  <a:cs typeface="Arial" panose="020B0604020202020204" pitchFamily="34" charset="0"/>
                 </a:rPr>
                 <a:t>Select </a:t>
               </a:r>
               <a:r>
                 <a:rPr lang="en-US" sz="1400" dirty="0">
-                  <a:solidFill>
-                    <a:schemeClr val="bg1"/>
-                  </a:solidFill>
+                  <a:latin typeface="Arial" panose="020B0604020202020204" pitchFamily="34" charset="0"/>
+                  <a:cs typeface="Arial" panose="020B0604020202020204" pitchFamily="34" charset="0"/>
                 </a:rPr>
                 <a:t>the rainfall at the closest location to LOI as the rainfall at LOI</a:t>
               </a:r>
               <a:endParaRPr lang="en-US" sz="1400" dirty="0">
-                <a:solidFill>
-                  <a:schemeClr val="bg1"/>
-                </a:solidFill>
+                <a:latin typeface="Arial" panose="020B0604020202020204" pitchFamily="34" charset="0"/>
+                <a:cs typeface="Arial" panose="020B0604020202020204" pitchFamily="34" charset="0"/>
               </a:endParaRPr>
             </a:p>
           </p:txBody>
@@ -7913,10 +7909,13 @@
               <a:avLst/>
             </a:prstGeom>
             <a:solidFill>
-              <a:schemeClr val="accent1">
-                <a:lumMod val="75000"/>
-              </a:schemeClr>
+              <a:schemeClr val="bg1"/>
             </a:solidFill>
+            <a:ln>
+              <a:solidFill>
+                <a:schemeClr val="tx1"/>
+              </a:solidFill>
+            </a:ln>
           </p:spPr>
           <p:txBody>
             <a:bodyPr wrap="square" rtlCol="0">
@@ -7927,586 +7926,418 @@
               <a:pPr lvl="0"/>
               <a:r>
                 <a:rPr lang="en-US" sz="1400" dirty="0" smtClean="0">
-                  <a:solidFill>
-                    <a:schemeClr val="bg1"/>
-                  </a:solidFill>
+                  <a:latin typeface="Arial" panose="020B0604020202020204" pitchFamily="34" charset="0"/>
+                  <a:cs typeface="Arial" panose="020B0604020202020204" pitchFamily="34" charset="0"/>
                 </a:rPr>
                 <a:t>Open the new map in python and explore its metadata</a:t>
               </a:r>
               <a:endParaRPr lang="en-US" sz="1400" dirty="0">
-                <a:solidFill>
-                  <a:schemeClr val="bg1"/>
-                </a:solidFill>
+                <a:latin typeface="Arial" panose="020B0604020202020204" pitchFamily="34" charset="0"/>
+                <a:cs typeface="Arial" panose="020B0604020202020204" pitchFamily="34" charset="0"/>
               </a:endParaRPr>
             </a:p>
           </p:txBody>
         </p:sp>
-        <p:sp>
-          <p:nvSpPr>
-            <p:cNvPr id="14" name="Down Arrow 13"/>
-            <p:cNvSpPr/>
-            <p:nvPr/>
-          </p:nvSpPr>
-          <p:spPr>
-            <a:xfrm>
-              <a:off x="1820174" y="1226490"/>
-              <a:ext cx="182880" cy="383311"/>
-            </a:xfrm>
-            <a:prstGeom prst="downArrow">
-              <a:avLst/>
-            </a:prstGeom>
+      </p:grpSp>
+      <p:cxnSp>
+        <p:nvCxnSpPr>
+          <p:cNvPr id="33" name="Straight Arrow Connector 32"/>
+          <p:cNvCxnSpPr/>
+          <p:nvPr/>
+        </p:nvCxnSpPr>
+        <p:spPr>
+          <a:xfrm>
+            <a:off x="1942702" y="1231150"/>
+            <a:ext cx="0" cy="383311"/>
+          </a:xfrm>
+          <a:prstGeom prst="straightConnector1">
+            <a:avLst/>
+          </a:prstGeom>
+          <a:ln w="22225">
             <a:solidFill>
-              <a:schemeClr val="accent1">
-                <a:lumMod val="20000"/>
-                <a:lumOff val="80000"/>
-              </a:schemeClr>
+              <a:schemeClr val="tx1"/>
             </a:solidFill>
-            <a:ln>
-              <a:solidFill>
-                <a:schemeClr val="tx1"/>
-              </a:solidFill>
-            </a:ln>
-          </p:spPr>
-          <p:style>
-            <a:lnRef idx="2">
-              <a:schemeClr val="accent1">
-                <a:shade val="50000"/>
-              </a:schemeClr>
-            </a:lnRef>
-            <a:fillRef idx="1">
-              <a:schemeClr val="accent1"/>
-            </a:fillRef>
-            <a:effectRef idx="0">
-              <a:schemeClr val="accent1"/>
-            </a:effectRef>
-            <a:fontRef idx="minor">
-              <a:schemeClr val="lt1"/>
-            </a:fontRef>
-          </p:style>
-          <p:txBody>
-            <a:bodyPr rtlCol="0" anchor="ctr"/>
-            <a:lstStyle/>
-            <a:p>
-              <a:pPr algn="ctr"/>
-              <a:endParaRPr lang="en-US"/>
-            </a:p>
-          </p:txBody>
-        </p:sp>
-        <p:sp>
-          <p:nvSpPr>
-            <p:cNvPr id="15" name="Down Arrow 14"/>
-            <p:cNvSpPr/>
-            <p:nvPr/>
-          </p:nvSpPr>
-          <p:spPr>
-            <a:xfrm>
-              <a:off x="1828800" y="2354448"/>
-              <a:ext cx="182880" cy="431429"/>
-            </a:xfrm>
-            <a:prstGeom prst="downArrow">
-              <a:avLst/>
-            </a:prstGeom>
+            <a:tailEnd type="triangle"/>
+          </a:ln>
+        </p:spPr>
+        <p:style>
+          <a:lnRef idx="1">
+            <a:schemeClr val="accent1"/>
+          </a:lnRef>
+          <a:fillRef idx="0">
+            <a:schemeClr val="accent1"/>
+          </a:fillRef>
+          <a:effectRef idx="0">
+            <a:schemeClr val="accent1"/>
+          </a:effectRef>
+          <a:fontRef idx="minor">
+            <a:schemeClr val="tx1"/>
+          </a:fontRef>
+        </p:style>
+      </p:cxnSp>
+      <p:cxnSp>
+        <p:nvCxnSpPr>
+          <p:cNvPr id="34" name="Straight Arrow Connector 33"/>
+          <p:cNvCxnSpPr/>
+          <p:nvPr/>
+        </p:nvCxnSpPr>
+        <p:spPr>
+          <a:xfrm>
+            <a:off x="1933177" y="2353125"/>
+            <a:ext cx="0" cy="425581"/>
+          </a:xfrm>
+          <a:prstGeom prst="straightConnector1">
+            <a:avLst/>
+          </a:prstGeom>
+          <a:ln w="22225">
             <a:solidFill>
-              <a:schemeClr val="accent1">
-                <a:lumMod val="20000"/>
-                <a:lumOff val="80000"/>
-              </a:schemeClr>
+              <a:schemeClr val="tx1"/>
             </a:solidFill>
-            <a:ln>
-              <a:solidFill>
-                <a:schemeClr val="tx1"/>
-              </a:solidFill>
-            </a:ln>
-          </p:spPr>
-          <p:style>
-            <a:lnRef idx="2">
-              <a:schemeClr val="accent1">
-                <a:shade val="50000"/>
-              </a:schemeClr>
-            </a:lnRef>
-            <a:fillRef idx="1">
-              <a:schemeClr val="accent1"/>
-            </a:fillRef>
-            <a:effectRef idx="0">
-              <a:schemeClr val="accent1"/>
-            </a:effectRef>
-            <a:fontRef idx="minor">
-              <a:schemeClr val="lt1"/>
-            </a:fontRef>
-          </p:style>
-          <p:txBody>
-            <a:bodyPr rtlCol="0" anchor="ctr"/>
-            <a:lstStyle/>
-            <a:p>
-              <a:pPr algn="ctr"/>
-              <a:endParaRPr lang="en-US"/>
-            </a:p>
-          </p:txBody>
-        </p:sp>
-        <p:sp>
-          <p:nvSpPr>
-            <p:cNvPr id="16" name="Down Arrow 15"/>
-            <p:cNvSpPr/>
-            <p:nvPr/>
-          </p:nvSpPr>
-          <p:spPr>
-            <a:xfrm>
-              <a:off x="1841737" y="3744644"/>
-              <a:ext cx="182880" cy="640261"/>
-            </a:xfrm>
-            <a:prstGeom prst="downArrow">
-              <a:avLst/>
-            </a:prstGeom>
+            <a:tailEnd type="triangle"/>
+          </a:ln>
+        </p:spPr>
+        <p:style>
+          <a:lnRef idx="1">
+            <a:schemeClr val="accent1"/>
+          </a:lnRef>
+          <a:fillRef idx="0">
+            <a:schemeClr val="accent1"/>
+          </a:fillRef>
+          <a:effectRef idx="0">
+            <a:schemeClr val="accent1"/>
+          </a:effectRef>
+          <a:fontRef idx="minor">
+            <a:schemeClr val="tx1"/>
+          </a:fontRef>
+        </p:style>
+      </p:cxnSp>
+      <p:cxnSp>
+        <p:nvCxnSpPr>
+          <p:cNvPr id="36" name="Straight Arrow Connector 35"/>
+          <p:cNvCxnSpPr/>
+          <p:nvPr/>
+        </p:nvCxnSpPr>
+        <p:spPr>
+          <a:xfrm>
+            <a:off x="1933177" y="3960088"/>
+            <a:ext cx="0" cy="425581"/>
+          </a:xfrm>
+          <a:prstGeom prst="straightConnector1">
+            <a:avLst/>
+          </a:prstGeom>
+          <a:ln w="22225">
             <a:solidFill>
-              <a:schemeClr val="accent1">
-                <a:lumMod val="20000"/>
-                <a:lumOff val="80000"/>
-              </a:schemeClr>
+              <a:schemeClr val="tx1"/>
             </a:solidFill>
-            <a:ln w="12700">
-              <a:solidFill>
-                <a:schemeClr val="tx1"/>
-              </a:solidFill>
-            </a:ln>
-          </p:spPr>
-          <p:style>
-            <a:lnRef idx="2">
-              <a:schemeClr val="accent1">
-                <a:shade val="50000"/>
-              </a:schemeClr>
-            </a:lnRef>
-            <a:fillRef idx="1">
-              <a:schemeClr val="accent1"/>
-            </a:fillRef>
-            <a:effectRef idx="0">
-              <a:schemeClr val="accent1"/>
-            </a:effectRef>
-            <a:fontRef idx="minor">
-              <a:schemeClr val="lt1"/>
-            </a:fontRef>
-          </p:style>
-          <p:txBody>
-            <a:bodyPr rtlCol="0" anchor="ctr"/>
-            <a:lstStyle/>
-            <a:p>
-              <a:pPr algn="ctr"/>
-              <a:endParaRPr lang="en-US"/>
-            </a:p>
-          </p:txBody>
-        </p:sp>
-        <p:sp>
-          <p:nvSpPr>
-            <p:cNvPr id="22" name="Down Arrow 21"/>
-            <p:cNvSpPr/>
-            <p:nvPr/>
-          </p:nvSpPr>
-          <p:spPr>
-            <a:xfrm rot="5400000" flipV="1">
-              <a:off x="3711369" y="4462159"/>
-              <a:ext cx="182880" cy="963281"/>
-            </a:xfrm>
-            <a:prstGeom prst="downArrow">
-              <a:avLst/>
-            </a:prstGeom>
+            <a:tailEnd type="triangle"/>
+          </a:ln>
+        </p:spPr>
+        <p:style>
+          <a:lnRef idx="1">
+            <a:schemeClr val="accent1"/>
+          </a:lnRef>
+          <a:fillRef idx="0">
+            <a:schemeClr val="accent1"/>
+          </a:fillRef>
+          <a:effectRef idx="0">
+            <a:schemeClr val="accent1"/>
+          </a:effectRef>
+          <a:fontRef idx="minor">
+            <a:schemeClr val="tx1"/>
+          </a:fontRef>
+        </p:style>
+      </p:cxnSp>
+      <p:cxnSp>
+        <p:nvCxnSpPr>
+          <p:cNvPr id="37" name="Straight Arrow Connector 36"/>
+          <p:cNvCxnSpPr>
+            <a:stCxn id="5" idx="3"/>
+            <a:endCxn id="6" idx="1"/>
+          </p:cNvCxnSpPr>
+          <p:nvPr/>
+        </p:nvCxnSpPr>
+        <p:spPr>
+          <a:xfrm>
+            <a:off x="3321169" y="4974341"/>
+            <a:ext cx="963281" cy="0"/>
+          </a:xfrm>
+          <a:prstGeom prst="straightConnector1">
+            <a:avLst/>
+          </a:prstGeom>
+          <a:ln w="22225">
             <a:solidFill>
-              <a:schemeClr val="accent1">
-                <a:lumMod val="20000"/>
-                <a:lumOff val="80000"/>
-              </a:schemeClr>
+              <a:schemeClr val="tx1"/>
             </a:solidFill>
-            <a:ln>
-              <a:solidFill>
-                <a:schemeClr val="tx1"/>
-              </a:solidFill>
-            </a:ln>
-          </p:spPr>
-          <p:style>
-            <a:lnRef idx="2">
-              <a:schemeClr val="accent1">
-                <a:shade val="50000"/>
-              </a:schemeClr>
-            </a:lnRef>
-            <a:fillRef idx="1">
-              <a:schemeClr val="accent1"/>
-            </a:fillRef>
-            <a:effectRef idx="0">
-              <a:schemeClr val="accent1"/>
-            </a:effectRef>
-            <a:fontRef idx="minor">
-              <a:schemeClr val="lt1"/>
-            </a:fontRef>
-          </p:style>
-          <p:txBody>
-            <a:bodyPr rtlCol="0" anchor="ctr"/>
-            <a:lstStyle/>
-            <a:p>
-              <a:pPr algn="ctr"/>
-              <a:endParaRPr lang="en-US"/>
-            </a:p>
-          </p:txBody>
-        </p:sp>
-        <p:sp>
-          <p:nvSpPr>
-            <p:cNvPr id="24" name="Down Arrow 23"/>
-            <p:cNvSpPr/>
-            <p:nvPr/>
-          </p:nvSpPr>
-          <p:spPr>
-            <a:xfrm flipV="1">
-              <a:off x="5411059" y="3708170"/>
-              <a:ext cx="182880" cy="676735"/>
-            </a:xfrm>
-            <a:prstGeom prst="downArrow">
-              <a:avLst/>
-            </a:prstGeom>
+            <a:tailEnd type="triangle"/>
+          </a:ln>
+        </p:spPr>
+        <p:style>
+          <a:lnRef idx="1">
+            <a:schemeClr val="accent1"/>
+          </a:lnRef>
+          <a:fillRef idx="0">
+            <a:schemeClr val="accent1"/>
+          </a:fillRef>
+          <a:effectRef idx="0">
+            <a:schemeClr val="accent1"/>
+          </a:effectRef>
+          <a:fontRef idx="minor">
+            <a:schemeClr val="tx1"/>
+          </a:fontRef>
+        </p:style>
+      </p:cxnSp>
+      <p:cxnSp>
+        <p:nvCxnSpPr>
+          <p:cNvPr id="42" name="Straight Arrow Connector 41"/>
+          <p:cNvCxnSpPr/>
+          <p:nvPr/>
+        </p:nvCxnSpPr>
+        <p:spPr>
+          <a:xfrm>
+            <a:off x="6915508" y="1068674"/>
+            <a:ext cx="1216323" cy="0"/>
+          </a:xfrm>
+          <a:prstGeom prst="straightConnector1">
+            <a:avLst/>
+          </a:prstGeom>
+          <a:ln w="22225">
             <a:solidFill>
-              <a:schemeClr val="accent1">
-                <a:lumMod val="20000"/>
-                <a:lumOff val="80000"/>
-              </a:schemeClr>
+              <a:schemeClr val="tx1"/>
             </a:solidFill>
-            <a:ln w="12700">
-              <a:solidFill>
-                <a:schemeClr val="tx1"/>
-              </a:solidFill>
-            </a:ln>
-          </p:spPr>
-          <p:style>
-            <a:lnRef idx="2">
-              <a:schemeClr val="accent1">
-                <a:shade val="50000"/>
-              </a:schemeClr>
-            </a:lnRef>
-            <a:fillRef idx="1">
-              <a:schemeClr val="accent1"/>
-            </a:fillRef>
-            <a:effectRef idx="0">
-              <a:schemeClr val="accent1"/>
-            </a:effectRef>
-            <a:fontRef idx="minor">
-              <a:schemeClr val="lt1"/>
-            </a:fontRef>
-          </p:style>
-          <p:txBody>
-            <a:bodyPr rtlCol="0" anchor="ctr"/>
-            <a:lstStyle/>
-            <a:p>
-              <a:pPr algn="ctr"/>
-              <a:endParaRPr lang="en-US"/>
-            </a:p>
-          </p:txBody>
-        </p:sp>
-        <p:sp>
-          <p:nvSpPr>
-            <p:cNvPr id="25" name="Down Arrow 24"/>
-            <p:cNvSpPr>
-              <a:spLocks noChangeAspect="1"/>
-            </p:cNvSpPr>
-            <p:nvPr/>
-          </p:nvSpPr>
-          <p:spPr>
-            <a:xfrm flipV="1">
-              <a:off x="5411059" y="2640544"/>
-              <a:ext cx="182880" cy="539746"/>
-            </a:xfrm>
-            <a:prstGeom prst="downArrow">
-              <a:avLst/>
-            </a:prstGeom>
+            <a:tailEnd type="triangle"/>
+          </a:ln>
+        </p:spPr>
+        <p:style>
+          <a:lnRef idx="1">
+            <a:schemeClr val="accent1"/>
+          </a:lnRef>
+          <a:fillRef idx="0">
+            <a:schemeClr val="accent1"/>
+          </a:fillRef>
+          <a:effectRef idx="0">
+            <a:schemeClr val="accent1"/>
+          </a:effectRef>
+          <a:fontRef idx="minor">
+            <a:schemeClr val="tx1"/>
+          </a:fontRef>
+        </p:style>
+      </p:cxnSp>
+      <p:cxnSp>
+        <p:nvCxnSpPr>
+          <p:cNvPr id="44" name="Straight Arrow Connector 43"/>
+          <p:cNvCxnSpPr/>
+          <p:nvPr/>
+        </p:nvCxnSpPr>
+        <p:spPr>
+          <a:xfrm flipH="1">
+            <a:off x="9264480" y="1446594"/>
+            <a:ext cx="0" cy="716897"/>
+          </a:xfrm>
+          <a:prstGeom prst="straightConnector1">
+            <a:avLst/>
+          </a:prstGeom>
+          <a:ln w="22225">
             <a:solidFill>
-              <a:schemeClr val="accent1">
-                <a:lumMod val="20000"/>
-                <a:lumOff val="80000"/>
-              </a:schemeClr>
+              <a:schemeClr val="tx1"/>
             </a:solidFill>
-            <a:ln w="12700">
-              <a:solidFill>
-                <a:schemeClr val="tx1"/>
-              </a:solidFill>
-            </a:ln>
-          </p:spPr>
-          <p:style>
-            <a:lnRef idx="2">
-              <a:schemeClr val="accent1">
-                <a:shade val="50000"/>
-              </a:schemeClr>
-            </a:lnRef>
-            <a:fillRef idx="1">
-              <a:schemeClr val="accent1"/>
-            </a:fillRef>
-            <a:effectRef idx="0">
-              <a:schemeClr val="accent1"/>
-            </a:effectRef>
-            <a:fontRef idx="minor">
-              <a:schemeClr val="lt1"/>
-            </a:fontRef>
-          </p:style>
-          <p:txBody>
-            <a:bodyPr rtlCol="0" anchor="ctr"/>
-            <a:lstStyle/>
-            <a:p>
-              <a:pPr algn="ctr"/>
-              <a:endParaRPr lang="en-US"/>
-            </a:p>
-          </p:txBody>
-        </p:sp>
-        <p:sp>
-          <p:nvSpPr>
-            <p:cNvPr id="26" name="Down Arrow 25"/>
-            <p:cNvSpPr>
-              <a:spLocks/>
-            </p:cNvSpPr>
-            <p:nvPr/>
-          </p:nvSpPr>
-          <p:spPr>
-            <a:xfrm flipV="1">
-              <a:off x="5411059" y="1446594"/>
-              <a:ext cx="182880" cy="235184"/>
-            </a:xfrm>
-            <a:prstGeom prst="downArrow">
-              <a:avLst/>
-            </a:prstGeom>
+            <a:tailEnd type="triangle"/>
+          </a:ln>
+        </p:spPr>
+        <p:style>
+          <a:lnRef idx="1">
+            <a:schemeClr val="accent1"/>
+          </a:lnRef>
+          <a:fillRef idx="0">
+            <a:schemeClr val="accent1"/>
+          </a:fillRef>
+          <a:effectRef idx="0">
+            <a:schemeClr val="accent1"/>
+          </a:effectRef>
+          <a:fontRef idx="minor">
+            <a:schemeClr val="tx1"/>
+          </a:fontRef>
+        </p:style>
+      </p:cxnSp>
+      <p:cxnSp>
+        <p:nvCxnSpPr>
+          <p:cNvPr id="46" name="Straight Arrow Connector 45"/>
+          <p:cNvCxnSpPr/>
+          <p:nvPr/>
+        </p:nvCxnSpPr>
+        <p:spPr>
+          <a:xfrm>
+            <a:off x="9264480" y="3333043"/>
+            <a:ext cx="0" cy="528642"/>
+          </a:xfrm>
+          <a:prstGeom prst="straightConnector1">
+            <a:avLst/>
+          </a:prstGeom>
+          <a:ln w="22225">
             <a:solidFill>
-              <a:schemeClr val="accent1">
-                <a:lumMod val="20000"/>
-                <a:lumOff val="80000"/>
-              </a:schemeClr>
+              <a:schemeClr val="tx1"/>
             </a:solidFill>
-            <a:ln w="12700">
-              <a:solidFill>
-                <a:schemeClr val="tx1"/>
-              </a:solidFill>
-            </a:ln>
-          </p:spPr>
-          <p:style>
-            <a:lnRef idx="2">
-              <a:schemeClr val="accent1">
-                <a:shade val="50000"/>
-              </a:schemeClr>
-            </a:lnRef>
-            <a:fillRef idx="1">
-              <a:schemeClr val="accent1"/>
-            </a:fillRef>
-            <a:effectRef idx="0">
-              <a:schemeClr val="accent1"/>
-            </a:effectRef>
-            <a:fontRef idx="minor">
-              <a:schemeClr val="lt1"/>
-            </a:fontRef>
-          </p:style>
-          <p:txBody>
-            <a:bodyPr rtlCol="0" anchor="ctr"/>
-            <a:lstStyle/>
-            <a:p>
-              <a:pPr algn="ctr"/>
-              <a:endParaRPr lang="en-US"/>
-            </a:p>
-          </p:txBody>
-        </p:sp>
-        <p:sp>
-          <p:nvSpPr>
-            <p:cNvPr id="27" name="Down Arrow 26"/>
-            <p:cNvSpPr/>
-            <p:nvPr/>
-          </p:nvSpPr>
-          <p:spPr>
-            <a:xfrm rot="5400000" flipV="1">
-              <a:off x="7432230" y="442432"/>
-              <a:ext cx="182881" cy="1216324"/>
-            </a:xfrm>
-            <a:prstGeom prst="downArrow">
-              <a:avLst/>
-            </a:prstGeom>
+            <a:tailEnd type="triangle"/>
+          </a:ln>
+        </p:spPr>
+        <p:style>
+          <a:lnRef idx="1">
+            <a:schemeClr val="accent1"/>
+          </a:lnRef>
+          <a:fillRef idx="0">
+            <a:schemeClr val="accent1"/>
+          </a:fillRef>
+          <a:effectRef idx="0">
+            <a:schemeClr val="accent1"/>
+          </a:effectRef>
+          <a:fontRef idx="minor">
+            <a:schemeClr val="tx1"/>
+          </a:fontRef>
+        </p:style>
+      </p:cxnSp>
+      <p:cxnSp>
+        <p:nvCxnSpPr>
+          <p:cNvPr id="48" name="Straight Arrow Connector 47"/>
+          <p:cNvCxnSpPr/>
+          <p:nvPr/>
+        </p:nvCxnSpPr>
+        <p:spPr>
+          <a:xfrm>
+            <a:off x="9264480" y="4384905"/>
+            <a:ext cx="0" cy="435547"/>
+          </a:xfrm>
+          <a:prstGeom prst="straightConnector1">
+            <a:avLst/>
+          </a:prstGeom>
+          <a:ln w="22225">
             <a:solidFill>
-              <a:schemeClr val="accent1">
-                <a:lumMod val="20000"/>
-                <a:lumOff val="80000"/>
-              </a:schemeClr>
+              <a:schemeClr val="tx1"/>
             </a:solidFill>
-            <a:ln>
-              <a:solidFill>
-                <a:schemeClr val="tx1"/>
-              </a:solidFill>
-            </a:ln>
-          </p:spPr>
-          <p:style>
-            <a:lnRef idx="2">
-              <a:schemeClr val="accent1">
-                <a:shade val="50000"/>
-              </a:schemeClr>
-            </a:lnRef>
-            <a:fillRef idx="1">
-              <a:schemeClr val="accent1"/>
-            </a:fillRef>
-            <a:effectRef idx="0">
-              <a:schemeClr val="accent1"/>
-            </a:effectRef>
-            <a:fontRef idx="minor">
-              <a:schemeClr val="lt1"/>
-            </a:fontRef>
-          </p:style>
-          <p:txBody>
-            <a:bodyPr rtlCol="0" anchor="ctr"/>
-            <a:lstStyle/>
-            <a:p>
-              <a:pPr algn="ctr"/>
-              <a:endParaRPr lang="en-US"/>
-            </a:p>
-          </p:txBody>
-        </p:sp>
-        <p:sp>
-          <p:nvSpPr>
-            <p:cNvPr id="28" name="Down Arrow 27"/>
-            <p:cNvSpPr/>
-            <p:nvPr/>
-          </p:nvSpPr>
-          <p:spPr>
-            <a:xfrm>
-              <a:off x="9264480" y="1446594"/>
-              <a:ext cx="182880" cy="716898"/>
-            </a:xfrm>
-            <a:prstGeom prst="downArrow">
-              <a:avLst/>
-            </a:prstGeom>
+            <a:tailEnd type="triangle"/>
+          </a:ln>
+        </p:spPr>
+        <p:style>
+          <a:lnRef idx="1">
+            <a:schemeClr val="accent1"/>
+          </a:lnRef>
+          <a:fillRef idx="0">
+            <a:schemeClr val="accent1"/>
+          </a:fillRef>
+          <a:effectRef idx="0">
+            <a:schemeClr val="accent1"/>
+          </a:effectRef>
+          <a:fontRef idx="minor">
+            <a:schemeClr val="tx1"/>
+          </a:fontRef>
+        </p:style>
+      </p:cxnSp>
+      <p:cxnSp>
+        <p:nvCxnSpPr>
+          <p:cNvPr id="50" name="Straight Arrow Connector 49"/>
+          <p:cNvCxnSpPr/>
+          <p:nvPr/>
+        </p:nvCxnSpPr>
+        <p:spPr>
+          <a:xfrm flipV="1">
+            <a:off x="5490023" y="3708170"/>
+            <a:ext cx="0" cy="676736"/>
+          </a:xfrm>
+          <a:prstGeom prst="straightConnector1">
+            <a:avLst/>
+          </a:prstGeom>
+          <a:ln w="22225">
             <a:solidFill>
-              <a:schemeClr val="accent1">
-                <a:lumMod val="20000"/>
-                <a:lumOff val="80000"/>
-              </a:schemeClr>
+              <a:schemeClr val="tx1"/>
             </a:solidFill>
-            <a:ln w="12700">
-              <a:solidFill>
-                <a:schemeClr val="tx1"/>
-              </a:solidFill>
-            </a:ln>
-          </p:spPr>
-          <p:style>
-            <a:lnRef idx="2">
-              <a:schemeClr val="accent1">
-                <a:shade val="50000"/>
-              </a:schemeClr>
-            </a:lnRef>
-            <a:fillRef idx="1">
-              <a:schemeClr val="accent1"/>
-            </a:fillRef>
-            <a:effectRef idx="0">
-              <a:schemeClr val="accent1"/>
-            </a:effectRef>
-            <a:fontRef idx="minor">
-              <a:schemeClr val="lt1"/>
-            </a:fontRef>
-          </p:style>
-          <p:txBody>
-            <a:bodyPr rtlCol="0" anchor="ctr"/>
-            <a:lstStyle/>
-            <a:p>
-              <a:pPr algn="ctr"/>
-              <a:endParaRPr lang="en-US"/>
-            </a:p>
-          </p:txBody>
-        </p:sp>
-        <p:sp>
-          <p:nvSpPr>
-            <p:cNvPr id="29" name="Down Arrow 28"/>
-            <p:cNvSpPr/>
-            <p:nvPr/>
-          </p:nvSpPr>
-          <p:spPr>
-            <a:xfrm>
-              <a:off x="9264480" y="3325830"/>
-              <a:ext cx="182880" cy="535855"/>
-            </a:xfrm>
-            <a:prstGeom prst="downArrow">
-              <a:avLst/>
-            </a:prstGeom>
+            <a:tailEnd type="triangle"/>
+          </a:ln>
+        </p:spPr>
+        <p:style>
+          <a:lnRef idx="1">
+            <a:schemeClr val="accent1"/>
+          </a:lnRef>
+          <a:fillRef idx="0">
+            <a:schemeClr val="accent1"/>
+          </a:fillRef>
+          <a:effectRef idx="0">
+            <a:schemeClr val="accent1"/>
+          </a:effectRef>
+          <a:fontRef idx="minor">
+            <a:schemeClr val="tx1"/>
+          </a:fontRef>
+        </p:style>
+      </p:cxnSp>
+      <p:cxnSp>
+        <p:nvCxnSpPr>
+          <p:cNvPr id="55" name="Straight Arrow Connector 54"/>
+          <p:cNvCxnSpPr/>
+          <p:nvPr/>
+        </p:nvCxnSpPr>
+        <p:spPr>
+          <a:xfrm flipH="1" flipV="1">
+            <a:off x="5490023" y="2640545"/>
+            <a:ext cx="0" cy="544405"/>
+          </a:xfrm>
+          <a:prstGeom prst="straightConnector1">
+            <a:avLst/>
+          </a:prstGeom>
+          <a:ln w="22225">
             <a:solidFill>
-              <a:schemeClr val="accent1">
-                <a:lumMod val="20000"/>
-                <a:lumOff val="80000"/>
-              </a:schemeClr>
+              <a:schemeClr val="tx1"/>
             </a:solidFill>
-            <a:ln w="12700">
-              <a:solidFill>
-                <a:schemeClr val="tx1"/>
-              </a:solidFill>
-            </a:ln>
-          </p:spPr>
-          <p:style>
-            <a:lnRef idx="2">
-              <a:schemeClr val="accent1">
-                <a:shade val="50000"/>
-              </a:schemeClr>
-            </a:lnRef>
-            <a:fillRef idx="1">
-              <a:schemeClr val="accent1"/>
-            </a:fillRef>
-            <a:effectRef idx="0">
-              <a:schemeClr val="accent1"/>
-            </a:effectRef>
-            <a:fontRef idx="minor">
-              <a:schemeClr val="lt1"/>
-            </a:fontRef>
-          </p:style>
-          <p:txBody>
-            <a:bodyPr rtlCol="0" anchor="ctr"/>
-            <a:lstStyle/>
-            <a:p>
-              <a:pPr algn="ctr"/>
-              <a:endParaRPr lang="en-US"/>
-            </a:p>
-          </p:txBody>
-        </p:sp>
-        <p:sp>
-          <p:nvSpPr>
-            <p:cNvPr id="30" name="Down Arrow 29"/>
-            <p:cNvSpPr/>
-            <p:nvPr/>
-          </p:nvSpPr>
-          <p:spPr>
-            <a:xfrm>
-              <a:off x="9257325" y="4383374"/>
-              <a:ext cx="182880" cy="437078"/>
-            </a:xfrm>
-            <a:prstGeom prst="downArrow">
-              <a:avLst/>
-            </a:prstGeom>
+            <a:tailEnd type="triangle"/>
+          </a:ln>
+        </p:spPr>
+        <p:style>
+          <a:lnRef idx="1">
+            <a:schemeClr val="accent1"/>
+          </a:lnRef>
+          <a:fillRef idx="0">
+            <a:schemeClr val="accent1"/>
+          </a:fillRef>
+          <a:effectRef idx="0">
+            <a:schemeClr val="accent1"/>
+          </a:effectRef>
+          <a:fontRef idx="minor">
+            <a:schemeClr val="tx1"/>
+          </a:fontRef>
+        </p:style>
+      </p:cxnSp>
+      <p:cxnSp>
+        <p:nvCxnSpPr>
+          <p:cNvPr id="57" name="Straight Arrow Connector 56"/>
+          <p:cNvCxnSpPr/>
+          <p:nvPr/>
+        </p:nvCxnSpPr>
+        <p:spPr>
+          <a:xfrm flipV="1">
+            <a:off x="5490023" y="1446594"/>
+            <a:ext cx="0" cy="239845"/>
+          </a:xfrm>
+          <a:prstGeom prst="straightConnector1">
+            <a:avLst/>
+          </a:prstGeom>
+          <a:ln w="22225">
             <a:solidFill>
-              <a:schemeClr val="accent1">
-                <a:lumMod val="20000"/>
-                <a:lumOff val="80000"/>
-              </a:schemeClr>
+              <a:schemeClr val="tx1"/>
             </a:solidFill>
-            <a:ln w="12700">
-              <a:solidFill>
-                <a:schemeClr val="tx1"/>
-              </a:solidFill>
-            </a:ln>
-          </p:spPr>
-          <p:style>
-            <a:lnRef idx="2">
-              <a:schemeClr val="accent1">
-                <a:shade val="50000"/>
-              </a:schemeClr>
-            </a:lnRef>
-            <a:fillRef idx="1">
-              <a:schemeClr val="accent1"/>
-            </a:fillRef>
-            <a:effectRef idx="0">
-              <a:schemeClr val="accent1"/>
-            </a:effectRef>
-            <a:fontRef idx="minor">
-              <a:schemeClr val="lt1"/>
-            </a:fontRef>
-          </p:style>
-          <p:txBody>
-            <a:bodyPr rtlCol="0" anchor="ctr"/>
-            <a:lstStyle/>
-            <a:p>
-              <a:pPr algn="ctr"/>
-              <a:endParaRPr lang="en-US"/>
-            </a:p>
-          </p:txBody>
-        </p:sp>
-      </p:grpSp>
+            <a:tailEnd type="triangle"/>
+          </a:ln>
+        </p:spPr>
+        <p:style>
+          <a:lnRef idx="1">
+            <a:schemeClr val="accent1"/>
+          </a:lnRef>
+          <a:fillRef idx="0">
+            <a:schemeClr val="accent1"/>
+          </a:fillRef>
+          <a:effectRef idx="0">
+            <a:schemeClr val="accent1"/>
+          </a:effectRef>
+          <a:fontRef idx="minor">
+            <a:schemeClr val="tx1"/>
+          </a:fontRef>
+        </p:style>
+      </p:cxnSp>
     </p:spTree>
     <p:extLst>
       <p:ext uri="{BB962C8B-B14F-4D97-AF65-F5344CB8AC3E}">
